--- a/Datathon_Microsoft.pptx
+++ b/Datathon_Microsoft.pptx
@@ -5,7 +5,7 @@
     <p:sldMasterId id="2147483648" r:id="rId1"/>
   </p:sldMasterIdLst>
   <p:notesMasterIdLst>
-    <p:notesMasterId r:id="rId12"/>
+    <p:notesMasterId r:id="rId14"/>
   </p:notesMasterIdLst>
   <p:sldIdLst>
     <p:sldId id="258" r:id="rId2"/>
@@ -13,11 +13,13 @@
     <p:sldId id="257" r:id="rId4"/>
     <p:sldId id="477" r:id="rId5"/>
     <p:sldId id="481" r:id="rId6"/>
-    <p:sldId id="478" r:id="rId7"/>
-    <p:sldId id="483" r:id="rId8"/>
-    <p:sldId id="476" r:id="rId9"/>
-    <p:sldId id="480" r:id="rId10"/>
-    <p:sldId id="482" r:id="rId11"/>
+    <p:sldId id="483" r:id="rId7"/>
+    <p:sldId id="485" r:id="rId8"/>
+    <p:sldId id="478" r:id="rId9"/>
+    <p:sldId id="486" r:id="rId10"/>
+    <p:sldId id="476" r:id="rId11"/>
+    <p:sldId id="480" r:id="rId12"/>
+    <p:sldId id="482" r:id="rId13"/>
   </p:sldIdLst>
   <p:sldSz cx="12192000" cy="6858000"/>
   <p:notesSz cx="6858000" cy="9144000"/>
@@ -127,7 +129,7 @@
 <file path=ppt/revisionInfo.xml><?xml version="1.0" encoding="utf-8"?>
 <p1510:revInfo xmlns:a="http://schemas.openxmlformats.org/drawingml/2006/main" xmlns:r="http://schemas.openxmlformats.org/officeDocument/2006/relationships" xmlns:p1510="http://schemas.microsoft.com/office/powerpoint/2015/10/main">
   <p1510:revLst>
-    <p1510:client id="{B2E0B708-959E-418A-9532-13A1DE1F4DDE}" v="152" dt="2022-05-15T09:53:02.739"/>
+    <p1510:client id="{B2E0B708-959E-418A-9532-13A1DE1F4DDE}" v="176" dt="2022-05-15T10:26:51.599"/>
   </p1510:revLst>
 </p1510:revInfo>
 </file>
@@ -136,8 +138,8 @@
 <pc:chgInfo xmlns:a="http://schemas.openxmlformats.org/drawingml/2006/main" xmlns:r="http://schemas.openxmlformats.org/officeDocument/2006/relationships" xmlns:ac="http://schemas.microsoft.com/office/drawing/2013/main/command" xmlns:pc="http://schemas.microsoft.com/office/powerpoint/2013/main/command">
   <pc:docChgLst>
     <pc:chgData name="Wieland Michèle (wiei)" userId="96353f25-1e7b-4d1a-97e3-3eadbcc16404" providerId="ADAL" clId="{B2E0B708-959E-418A-9532-13A1DE1F4DDE}"/>
-    <pc:docChg chg="undo custSel addSld delSld modSld">
-      <pc:chgData name="Wieland Michèle (wiei)" userId="96353f25-1e7b-4d1a-97e3-3eadbcc16404" providerId="ADAL" clId="{B2E0B708-959E-418A-9532-13A1DE1F4DDE}" dt="2022-05-15T09:53:02.229" v="2397" actId="1076"/>
+    <pc:docChg chg="undo custSel addSld delSld modSld sldOrd">
+      <pc:chgData name="Wieland Michèle (wiei)" userId="96353f25-1e7b-4d1a-97e3-3eadbcc16404" providerId="ADAL" clId="{B2E0B708-959E-418A-9532-13A1DE1F4DDE}" dt="2022-05-15T10:27:19.550" v="3444" actId="208"/>
       <pc:docMkLst>
         <pc:docMk/>
       </pc:docMkLst>
@@ -712,8 +714,8 @@
           </ac:spMkLst>
         </pc:spChg>
       </pc:sldChg>
-      <pc:sldChg chg="modSp add mod">
-        <pc:chgData name="Wieland Michèle (wiei)" userId="96353f25-1e7b-4d1a-97e3-3eadbcc16404" providerId="ADAL" clId="{B2E0B708-959E-418A-9532-13A1DE1F4DDE}" dt="2022-05-15T09:10:22.313" v="1735" actId="5793"/>
+      <pc:sldChg chg="modSp add mod modNotesTx">
+        <pc:chgData name="Wieland Michèle (wiei)" userId="96353f25-1e7b-4d1a-97e3-3eadbcc16404" providerId="ADAL" clId="{B2E0B708-959E-418A-9532-13A1DE1F4DDE}" dt="2022-05-15T10:26:34.417" v="3441" actId="20577"/>
         <pc:sldMkLst>
           <pc:docMk/>
           <pc:sldMk cId="45209978" sldId="476"/>
@@ -727,7 +729,7 @@
           </ac:spMkLst>
         </pc:spChg>
         <pc:spChg chg="mod">
-          <ac:chgData name="Wieland Michèle (wiei)" userId="96353f25-1e7b-4d1a-97e3-3eadbcc16404" providerId="ADAL" clId="{B2E0B708-959E-418A-9532-13A1DE1F4DDE}" dt="2022-05-15T09:10:22.313" v="1735" actId="5793"/>
+          <ac:chgData name="Wieland Michèle (wiei)" userId="96353f25-1e7b-4d1a-97e3-3eadbcc16404" providerId="ADAL" clId="{B2E0B708-959E-418A-9532-13A1DE1F4DDE}" dt="2022-05-15T10:25:31.767" v="3439" actId="20577"/>
           <ac:spMkLst>
             <pc:docMk/>
             <pc:sldMk cId="45209978" sldId="476"/>
@@ -751,7 +753,7 @@
         </pc:picChg>
       </pc:sldChg>
       <pc:sldChg chg="addSp delSp modSp add mod modTransition modNotesTx">
-        <pc:chgData name="Wieland Michèle (wiei)" userId="96353f25-1e7b-4d1a-97e3-3eadbcc16404" providerId="ADAL" clId="{B2E0B708-959E-418A-9532-13A1DE1F4DDE}" dt="2022-05-15T09:48:11.844" v="2360" actId="478"/>
+        <pc:chgData name="Wieland Michèle (wiei)" userId="96353f25-1e7b-4d1a-97e3-3eadbcc16404" providerId="ADAL" clId="{B2E0B708-959E-418A-9532-13A1DE1F4DDE}" dt="2022-05-15T10:08:33.814" v="2786" actId="20577"/>
         <pc:sldMkLst>
           <pc:docMk/>
           <pc:sldMk cId="589548146" sldId="477"/>
@@ -932,8 +934,8 @@
           </ac:spMkLst>
         </pc:spChg>
       </pc:sldChg>
-      <pc:sldChg chg="addSp modSp add mod">
-        <pc:chgData name="Wieland Michèle (wiei)" userId="96353f25-1e7b-4d1a-97e3-3eadbcc16404" providerId="ADAL" clId="{B2E0B708-959E-418A-9532-13A1DE1F4DDE}" dt="2022-05-15T09:09:03.978" v="1732" actId="1076"/>
+      <pc:sldChg chg="addSp delSp modSp add mod ord">
+        <pc:chgData name="Wieland Michèle (wiei)" userId="96353f25-1e7b-4d1a-97e3-3eadbcc16404" providerId="ADAL" clId="{B2E0B708-959E-418A-9532-13A1DE1F4DDE}" dt="2022-05-15T10:22:29.684" v="3314" actId="14100"/>
         <pc:sldMkLst>
           <pc:docMk/>
           <pc:sldMk cId="3966059739" sldId="478"/>
@@ -954,6 +956,54 @@
             <ac:spMk id="3" creationId="{D769C658-D50B-4B25-9A50-B631ABE8D3F5}"/>
           </ac:spMkLst>
         </pc:spChg>
+        <pc:spChg chg="add del mod">
+          <ac:chgData name="Wieland Michèle (wiei)" userId="96353f25-1e7b-4d1a-97e3-3eadbcc16404" providerId="ADAL" clId="{B2E0B708-959E-418A-9532-13A1DE1F4DDE}" dt="2022-05-15T10:17:21.257" v="3262" actId="478"/>
+          <ac:spMkLst>
+            <pc:docMk/>
+            <pc:sldMk cId="3966059739" sldId="478"/>
+            <ac:spMk id="5" creationId="{B6498C82-B208-4DA3-A366-44800B6DBC9D}"/>
+          </ac:spMkLst>
+        </pc:spChg>
+        <pc:spChg chg="add mod">
+          <ac:chgData name="Wieland Michèle (wiei)" userId="96353f25-1e7b-4d1a-97e3-3eadbcc16404" providerId="ADAL" clId="{B2E0B708-959E-418A-9532-13A1DE1F4DDE}" dt="2022-05-15T10:22:29.684" v="3314" actId="14100"/>
+          <ac:spMkLst>
+            <pc:docMk/>
+            <pc:sldMk cId="3966059739" sldId="478"/>
+            <ac:spMk id="9" creationId="{4864998E-B330-4601-B8F4-6906EA9B236B}"/>
+          </ac:spMkLst>
+        </pc:spChg>
+        <pc:spChg chg="add del mod">
+          <ac:chgData name="Wieland Michèle (wiei)" userId="96353f25-1e7b-4d1a-97e3-3eadbcc16404" providerId="ADAL" clId="{B2E0B708-959E-418A-9532-13A1DE1F4DDE}" dt="2022-05-15T10:21:43.452" v="3307" actId="478"/>
+          <ac:spMkLst>
+            <pc:docMk/>
+            <pc:sldMk cId="3966059739" sldId="478"/>
+            <ac:spMk id="12" creationId="{F93794B5-42A3-4C1A-9628-58DD0570D9D9}"/>
+          </ac:spMkLst>
+        </pc:spChg>
+        <pc:spChg chg="add del mod">
+          <ac:chgData name="Wieland Michèle (wiei)" userId="96353f25-1e7b-4d1a-97e3-3eadbcc16404" providerId="ADAL" clId="{B2E0B708-959E-418A-9532-13A1DE1F4DDE}" dt="2022-05-15T10:19:04.212" v="3279"/>
+          <ac:spMkLst>
+            <pc:docMk/>
+            <pc:sldMk cId="3966059739" sldId="478"/>
+            <ac:spMk id="13" creationId="{30F2C4D7-A614-49BC-89ED-9FF663475C33}"/>
+          </ac:spMkLst>
+        </pc:spChg>
+        <pc:spChg chg="add del mod">
+          <ac:chgData name="Wieland Michèle (wiei)" userId="96353f25-1e7b-4d1a-97e3-3eadbcc16404" providerId="ADAL" clId="{B2E0B708-959E-418A-9532-13A1DE1F4DDE}" dt="2022-05-15T10:21:44.922" v="3308" actId="478"/>
+          <ac:spMkLst>
+            <pc:docMk/>
+            <pc:sldMk cId="3966059739" sldId="478"/>
+            <ac:spMk id="16" creationId="{8D9E8A98-28CD-4FBB-B5D7-3F2019FF94D3}"/>
+          </ac:spMkLst>
+        </pc:spChg>
+        <pc:spChg chg="add mod">
+          <ac:chgData name="Wieland Michèle (wiei)" userId="96353f25-1e7b-4d1a-97e3-3eadbcc16404" providerId="ADAL" clId="{B2E0B708-959E-418A-9532-13A1DE1F4DDE}" dt="2022-05-15T10:22:02.056" v="3312" actId="1076"/>
+          <ac:spMkLst>
+            <pc:docMk/>
+            <pc:sldMk cId="3966059739" sldId="478"/>
+            <ac:spMk id="26" creationId="{1E0D6E5B-08DC-4309-8761-D536599584DA}"/>
+          </ac:spMkLst>
+        </pc:spChg>
         <pc:picChg chg="add mod">
           <ac:chgData name="Wieland Michèle (wiei)" userId="96353f25-1e7b-4d1a-97e3-3eadbcc16404" providerId="ADAL" clId="{B2E0B708-959E-418A-9532-13A1DE1F4DDE}" dt="2022-05-15T09:09:03.978" v="1732" actId="1076"/>
           <ac:picMkLst>
@@ -962,6 +1012,38 @@
             <ac:picMk id="6" creationId="{73B7B423-2E0E-4D4A-84C5-2C695513075B}"/>
           </ac:picMkLst>
         </pc:picChg>
+        <pc:cxnChg chg="add mod">
+          <ac:chgData name="Wieland Michèle (wiei)" userId="96353f25-1e7b-4d1a-97e3-3eadbcc16404" providerId="ADAL" clId="{B2E0B708-959E-418A-9532-13A1DE1F4DDE}" dt="2022-05-15T10:22:29.684" v="3314" actId="14100"/>
+          <ac:cxnSpMkLst>
+            <pc:docMk/>
+            <pc:sldMk cId="3966059739" sldId="478"/>
+            <ac:cxnSpMk id="8" creationId="{98C40884-9EC3-4CA6-85D1-2B28D4159428}"/>
+          </ac:cxnSpMkLst>
+        </pc:cxnChg>
+        <pc:cxnChg chg="add del mod">
+          <ac:chgData name="Wieland Michèle (wiei)" userId="96353f25-1e7b-4d1a-97e3-3eadbcc16404" providerId="ADAL" clId="{B2E0B708-959E-418A-9532-13A1DE1F4DDE}" dt="2022-05-15T10:21:36.522" v="3304" actId="478"/>
+          <ac:cxnSpMkLst>
+            <pc:docMk/>
+            <pc:sldMk cId="3966059739" sldId="478"/>
+            <ac:cxnSpMk id="14" creationId="{B686DB24-29D2-4750-955F-ABD6543012EB}"/>
+          </ac:cxnSpMkLst>
+        </pc:cxnChg>
+        <pc:cxnChg chg="add del mod">
+          <ac:chgData name="Wieland Michèle (wiei)" userId="96353f25-1e7b-4d1a-97e3-3eadbcc16404" providerId="ADAL" clId="{B2E0B708-959E-418A-9532-13A1DE1F4DDE}" dt="2022-05-15T10:21:39.381" v="3306" actId="478"/>
+          <ac:cxnSpMkLst>
+            <pc:docMk/>
+            <pc:sldMk cId="3966059739" sldId="478"/>
+            <ac:cxnSpMk id="17" creationId="{AF3546EA-A703-43C2-A470-42A78733145D}"/>
+          </ac:cxnSpMkLst>
+        </pc:cxnChg>
+        <pc:cxnChg chg="add mod">
+          <ac:chgData name="Wieland Michèle (wiei)" userId="96353f25-1e7b-4d1a-97e3-3eadbcc16404" providerId="ADAL" clId="{B2E0B708-959E-418A-9532-13A1DE1F4DDE}" dt="2022-05-15T10:22:02.056" v="3312" actId="1076"/>
+          <ac:cxnSpMkLst>
+            <pc:docMk/>
+            <pc:sldMk cId="3966059739" sldId="478"/>
+            <ac:cxnSpMk id="25" creationId="{A0329694-D8BB-4B06-B943-032CB804FF7E}"/>
+          </ac:cxnSpMkLst>
+        </pc:cxnChg>
       </pc:sldChg>
       <pc:sldChg chg="modSp add del mod">
         <pc:chgData name="Wieland Michèle (wiei)" userId="96353f25-1e7b-4d1a-97e3-3eadbcc16404" providerId="ADAL" clId="{B2E0B708-959E-418A-9532-13A1DE1F4DDE}" dt="2022-05-15T07:56:03.137" v="1407" actId="47"/>
@@ -978,8 +1060,8 @@
           </ac:spMkLst>
         </pc:spChg>
       </pc:sldChg>
-      <pc:sldChg chg="modSp add mod">
-        <pc:chgData name="Wieland Michèle (wiei)" userId="96353f25-1e7b-4d1a-97e3-3eadbcc16404" providerId="ADAL" clId="{B2E0B708-959E-418A-9532-13A1DE1F4DDE}" dt="2022-05-15T07:55:50.893" v="1406" actId="20577"/>
+      <pc:sldChg chg="addSp modSp add mod">
+        <pc:chgData name="Wieland Michèle (wiei)" userId="96353f25-1e7b-4d1a-97e3-3eadbcc16404" providerId="ADAL" clId="{B2E0B708-959E-418A-9532-13A1DE1F4DDE}" dt="2022-05-15T10:27:19.550" v="3444" actId="208"/>
         <pc:sldMkLst>
           <pc:docMk/>
           <pc:sldMk cId="2499128470" sldId="480"/>
@@ -1000,9 +1082,33 @@
             <ac:spMk id="14" creationId="{2516E6C2-3AB6-4E65-AA52-99AF8FC6111B}"/>
           </ac:spMkLst>
         </pc:spChg>
+        <pc:spChg chg="mod">
+          <ac:chgData name="Wieland Michèle (wiei)" userId="96353f25-1e7b-4d1a-97e3-3eadbcc16404" providerId="ADAL" clId="{B2E0B708-959E-418A-9532-13A1DE1F4DDE}" dt="2022-05-15T10:27:19.550" v="3444" actId="208"/>
+          <ac:spMkLst>
+            <pc:docMk/>
+            <pc:sldMk cId="2499128470" sldId="480"/>
+            <ac:spMk id="20" creationId="{78C5F8F4-6435-441B-B19F-652039D49ACC}"/>
+          </ac:spMkLst>
+        </pc:spChg>
+        <pc:picChg chg="add mod">
+          <ac:chgData name="Wieland Michèle (wiei)" userId="96353f25-1e7b-4d1a-97e3-3eadbcc16404" providerId="ADAL" clId="{B2E0B708-959E-418A-9532-13A1DE1F4DDE}" dt="2022-05-15T10:26:51.599" v="3442"/>
+          <ac:picMkLst>
+            <pc:docMk/>
+            <pc:sldMk cId="2499128470" sldId="480"/>
+            <ac:picMk id="15" creationId="{14CCFB5D-E36F-48BB-B0F7-CFA50140EA94}"/>
+          </ac:picMkLst>
+        </pc:picChg>
+        <pc:picChg chg="add mod">
+          <ac:chgData name="Wieland Michèle (wiei)" userId="96353f25-1e7b-4d1a-97e3-3eadbcc16404" providerId="ADAL" clId="{B2E0B708-959E-418A-9532-13A1DE1F4DDE}" dt="2022-05-15T10:26:51.599" v="3442"/>
+          <ac:picMkLst>
+            <pc:docMk/>
+            <pc:sldMk cId="2499128470" sldId="480"/>
+            <ac:picMk id="16" creationId="{02AB616F-3D97-43F4-A019-B556B9113076}"/>
+          </ac:picMkLst>
+        </pc:picChg>
       </pc:sldChg>
       <pc:sldChg chg="addSp modSp add mod modTransition modAnim modNotesTx">
-        <pc:chgData name="Wieland Michèle (wiei)" userId="96353f25-1e7b-4d1a-97e3-3eadbcc16404" providerId="ADAL" clId="{B2E0B708-959E-418A-9532-13A1DE1F4DDE}" dt="2022-05-15T09:51:49.489" v="2392" actId="1076"/>
+        <pc:chgData name="Wieland Michèle (wiei)" userId="96353f25-1e7b-4d1a-97e3-3eadbcc16404" providerId="ADAL" clId="{B2E0B708-959E-418A-9532-13A1DE1F4DDE}" dt="2022-05-15T10:23:19.232" v="3318"/>
         <pc:sldMkLst>
           <pc:docMk/>
           <pc:sldMk cId="825052231" sldId="481"/>
@@ -1031,6 +1137,22 @@
             <ac:grpSpMk id="9" creationId="{0D94D039-4E0B-4900-B62F-F024B513BA53}"/>
           </ac:grpSpMkLst>
         </pc:grpChg>
+        <pc:picChg chg="add mod">
+          <ac:chgData name="Wieland Michèle (wiei)" userId="96353f25-1e7b-4d1a-97e3-3eadbcc16404" providerId="ADAL" clId="{B2E0B708-959E-418A-9532-13A1DE1F4DDE}" dt="2022-05-15T10:23:14.653" v="3317"/>
+          <ac:picMkLst>
+            <pc:docMk/>
+            <pc:sldMk cId="825052231" sldId="481"/>
+            <ac:picMk id="18" creationId="{1D53BB0F-166D-4E40-A219-E6DE0C8D4B69}"/>
+          </ac:picMkLst>
+        </pc:picChg>
+        <pc:picChg chg="add mod">
+          <ac:chgData name="Wieland Michèle (wiei)" userId="96353f25-1e7b-4d1a-97e3-3eadbcc16404" providerId="ADAL" clId="{B2E0B708-959E-418A-9532-13A1DE1F4DDE}" dt="2022-05-15T10:23:19.232" v="3318"/>
+          <ac:picMkLst>
+            <pc:docMk/>
+            <pc:sldMk cId="825052231" sldId="481"/>
+            <ac:picMk id="24" creationId="{ECE9C8BE-E41D-4902-9C3B-AF7853855F9A}"/>
+          </ac:picMkLst>
+        </pc:picChg>
         <pc:cxnChg chg="add mod">
           <ac:chgData name="Wieland Michèle (wiei)" userId="96353f25-1e7b-4d1a-97e3-3eadbcc16404" providerId="ADAL" clId="{B2E0B708-959E-418A-9532-13A1DE1F4DDE}" dt="2022-05-15T09:51:32.216" v="2390" actId="164"/>
           <ac:cxnSpMkLst>
@@ -1056,11 +1178,19 @@
         </pc:spChg>
       </pc:sldChg>
       <pc:sldChg chg="addSp delSp modSp add mod modAnim">
-        <pc:chgData name="Wieland Michèle (wiei)" userId="96353f25-1e7b-4d1a-97e3-3eadbcc16404" providerId="ADAL" clId="{B2E0B708-959E-418A-9532-13A1DE1F4DDE}" dt="2022-05-15T09:53:02.229" v="2397" actId="1076"/>
+        <pc:chgData name="Wieland Michèle (wiei)" userId="96353f25-1e7b-4d1a-97e3-3eadbcc16404" providerId="ADAL" clId="{B2E0B708-959E-418A-9532-13A1DE1F4DDE}" dt="2022-05-15T10:15:30.538" v="3182" actId="478"/>
         <pc:sldMkLst>
           <pc:docMk/>
           <pc:sldMk cId="3904541828" sldId="483"/>
         </pc:sldMkLst>
+        <pc:spChg chg="add del">
+          <ac:chgData name="Wieland Michèle (wiei)" userId="96353f25-1e7b-4d1a-97e3-3eadbcc16404" providerId="ADAL" clId="{B2E0B708-959E-418A-9532-13A1DE1F4DDE}" dt="2022-05-15T10:15:30.538" v="3182" actId="478"/>
+          <ac:spMkLst>
+            <pc:docMk/>
+            <pc:sldMk cId="3904541828" sldId="483"/>
+            <ac:spMk id="6" creationId="{170F7CC9-3379-4902-8C86-9D22D9306BE2}"/>
+          </ac:spMkLst>
+        </pc:spChg>
         <pc:picChg chg="add mod">
           <ac:chgData name="Wieland Michèle (wiei)" userId="96353f25-1e7b-4d1a-97e3-3eadbcc16404" providerId="ADAL" clId="{B2E0B708-959E-418A-9532-13A1DE1F4DDE}" dt="2022-05-15T09:53:02.229" v="2397" actId="1076"/>
           <ac:picMkLst>
@@ -1077,6 +1207,35 @@
             <ac:picMk id="6" creationId="{73B7B423-2E0E-4D4A-84C5-2C695513075B}"/>
           </ac:picMkLst>
         </pc:picChg>
+      </pc:sldChg>
+      <pc:sldChg chg="add del modNotesTx">
+        <pc:chgData name="Wieland Michèle (wiei)" userId="96353f25-1e7b-4d1a-97e3-3eadbcc16404" providerId="ADAL" clId="{B2E0B708-959E-418A-9532-13A1DE1F4DDE}" dt="2022-05-15T10:23:08.612" v="3316" actId="47"/>
+        <pc:sldMkLst>
+          <pc:docMk/>
+          <pc:sldMk cId="4150905920" sldId="484"/>
+        </pc:sldMkLst>
+      </pc:sldChg>
+      <pc:sldChg chg="add">
+        <pc:chgData name="Wieland Michèle (wiei)" userId="96353f25-1e7b-4d1a-97e3-3eadbcc16404" providerId="ADAL" clId="{B2E0B708-959E-418A-9532-13A1DE1F4DDE}" dt="2022-05-15T10:20:07.632" v="3294"/>
+        <pc:sldMkLst>
+          <pc:docMk/>
+          <pc:sldMk cId="496847102" sldId="485"/>
+        </pc:sldMkLst>
+      </pc:sldChg>
+      <pc:sldChg chg="modSp add mod modNotesTx">
+        <pc:chgData name="Wieland Michèle (wiei)" userId="96353f25-1e7b-4d1a-97e3-3eadbcc16404" providerId="ADAL" clId="{B2E0B708-959E-418A-9532-13A1DE1F4DDE}" dt="2022-05-15T10:24:34.724" v="3437" actId="20577"/>
+        <pc:sldMkLst>
+          <pc:docMk/>
+          <pc:sldMk cId="3710762780" sldId="486"/>
+        </pc:sldMkLst>
+        <pc:spChg chg="mod">
+          <ac:chgData name="Wieland Michèle (wiei)" userId="96353f25-1e7b-4d1a-97e3-3eadbcc16404" providerId="ADAL" clId="{B2E0B708-959E-418A-9532-13A1DE1F4DDE}" dt="2022-05-15T10:23:34.345" v="3321" actId="208"/>
+          <ac:spMkLst>
+            <pc:docMk/>
+            <pc:sldMk cId="3710762780" sldId="486"/>
+            <ac:spMk id="14" creationId="{2516E6C2-3AB6-4E65-AA52-99AF8FC6111B}"/>
+          </ac:spMkLst>
+        </pc:spChg>
       </pc:sldChg>
     </pc:docChg>
   </pc:docChgLst>
@@ -1532,6 +1691,276 @@
 </p:notes>
 </file>
 
+<file path=ppt/notesSlides/notesSlide10.xml><?xml version="1.0" encoding="utf-8"?>
+<p:notes xmlns:a="http://schemas.openxmlformats.org/drawingml/2006/main" xmlns:r="http://schemas.openxmlformats.org/officeDocument/2006/relationships" xmlns:p="http://schemas.openxmlformats.org/presentationml/2006/main">
+  <p:cSld>
+    <p:spTree>
+      <p:nvGrpSpPr>
+        <p:cNvPr id="1" name=""/>
+        <p:cNvGrpSpPr/>
+        <p:nvPr/>
+      </p:nvGrpSpPr>
+      <p:grpSpPr>
+        <a:xfrm>
+          <a:off x="0" y="0"/>
+          <a:ext cx="0" cy="0"/>
+          <a:chOff x="0" y="0"/>
+          <a:chExt cx="0" cy="0"/>
+        </a:xfrm>
+      </p:grpSpPr>
+      <p:sp>
+        <p:nvSpPr>
+          <p:cNvPr id="2" name="Folienbildplatzhalter 1"/>
+          <p:cNvSpPr>
+            <a:spLocks noGrp="1" noRot="1" noChangeAspect="1"/>
+          </p:cNvSpPr>
+          <p:nvPr>
+            <p:ph type="sldImg"/>
+          </p:nvPr>
+        </p:nvSpPr>
+        <p:spPr/>
+      </p:sp>
+      <p:sp>
+        <p:nvSpPr>
+          <p:cNvPr id="3" name="Notizenplatzhalter 2"/>
+          <p:cNvSpPr>
+            <a:spLocks noGrp="1"/>
+          </p:cNvSpPr>
+          <p:nvPr>
+            <p:ph type="body" idx="1"/>
+          </p:nvPr>
+        </p:nvSpPr>
+        <p:spPr/>
+        <p:txBody>
+          <a:bodyPr/>
+          <a:lstStyle/>
+          <a:p>
+            <a:r>
+              <a:rPr lang="de-CH" dirty="0"/>
+              <a:t>- </a:t>
+            </a:r>
+          </a:p>
+        </p:txBody>
+      </p:sp>
+      <p:sp>
+        <p:nvSpPr>
+          <p:cNvPr id="4" name="Foliennummernplatzhalter 3"/>
+          <p:cNvSpPr>
+            <a:spLocks noGrp="1"/>
+          </p:cNvSpPr>
+          <p:nvPr>
+            <p:ph type="sldNum" sz="quarter" idx="5"/>
+          </p:nvPr>
+        </p:nvSpPr>
+        <p:spPr/>
+        <p:txBody>
+          <a:bodyPr/>
+          <a:lstStyle/>
+          <a:p>
+            <a:fld id="{23453D01-401A-4B13-AB37-84850A6A364D}" type="slidenum">
+              <a:rPr lang="de-CH" smtClean="0"/>
+              <a:t>10</a:t>
+            </a:fld>
+            <a:endParaRPr lang="de-CH"/>
+          </a:p>
+        </p:txBody>
+      </p:sp>
+    </p:spTree>
+    <p:extLst>
+      <p:ext uri="{BB962C8B-B14F-4D97-AF65-F5344CB8AC3E}">
+        <p14:creationId xmlns:p14="http://schemas.microsoft.com/office/powerpoint/2010/main" val="3430283869"/>
+      </p:ext>
+    </p:extLst>
+  </p:cSld>
+  <p:clrMapOvr>
+    <a:masterClrMapping/>
+  </p:clrMapOvr>
+</p:notes>
+</file>
+
+<file path=ppt/notesSlides/notesSlide11.xml><?xml version="1.0" encoding="utf-8"?>
+<p:notes xmlns:a="http://schemas.openxmlformats.org/drawingml/2006/main" xmlns:r="http://schemas.openxmlformats.org/officeDocument/2006/relationships" xmlns:p="http://schemas.openxmlformats.org/presentationml/2006/main">
+  <p:cSld>
+    <p:spTree>
+      <p:nvGrpSpPr>
+        <p:cNvPr id="1" name=""/>
+        <p:cNvGrpSpPr/>
+        <p:nvPr/>
+      </p:nvGrpSpPr>
+      <p:grpSpPr>
+        <a:xfrm>
+          <a:off x="0" y="0"/>
+          <a:ext cx="0" cy="0"/>
+          <a:chOff x="0" y="0"/>
+          <a:chExt cx="0" cy="0"/>
+        </a:xfrm>
+      </p:grpSpPr>
+      <p:sp>
+        <p:nvSpPr>
+          <p:cNvPr id="2" name="Folienbildplatzhalter 1"/>
+          <p:cNvSpPr>
+            <a:spLocks noGrp="1" noRot="1" noChangeAspect="1"/>
+          </p:cNvSpPr>
+          <p:nvPr>
+            <p:ph type="sldImg"/>
+          </p:nvPr>
+        </p:nvSpPr>
+        <p:spPr/>
+      </p:sp>
+      <p:sp>
+        <p:nvSpPr>
+          <p:cNvPr id="3" name="Notizenplatzhalter 2"/>
+          <p:cNvSpPr>
+            <a:spLocks noGrp="1"/>
+          </p:cNvSpPr>
+          <p:nvPr>
+            <p:ph type="body" idx="1"/>
+          </p:nvPr>
+        </p:nvSpPr>
+        <p:spPr/>
+        <p:txBody>
+          <a:bodyPr/>
+          <a:lstStyle/>
+          <a:p>
+            <a:endParaRPr lang="de-CH" dirty="0"/>
+          </a:p>
+        </p:txBody>
+      </p:sp>
+      <p:sp>
+        <p:nvSpPr>
+          <p:cNvPr id="4" name="Foliennummernplatzhalter 3"/>
+          <p:cNvSpPr>
+            <a:spLocks noGrp="1"/>
+          </p:cNvSpPr>
+          <p:nvPr>
+            <p:ph type="sldNum" sz="quarter" idx="5"/>
+          </p:nvPr>
+        </p:nvSpPr>
+        <p:spPr/>
+        <p:txBody>
+          <a:bodyPr/>
+          <a:lstStyle/>
+          <a:p>
+            <a:fld id="{23453D01-401A-4B13-AB37-84850A6A364D}" type="slidenum">
+              <a:rPr lang="de-CH" smtClean="0"/>
+              <a:t>11</a:t>
+            </a:fld>
+            <a:endParaRPr lang="de-CH"/>
+          </a:p>
+        </p:txBody>
+      </p:sp>
+    </p:spTree>
+    <p:extLst>
+      <p:ext uri="{BB962C8B-B14F-4D97-AF65-F5344CB8AC3E}">
+        <p14:creationId xmlns:p14="http://schemas.microsoft.com/office/powerpoint/2010/main" val="213103814"/>
+      </p:ext>
+    </p:extLst>
+  </p:cSld>
+  <p:clrMapOvr>
+    <a:masterClrMapping/>
+  </p:clrMapOvr>
+</p:notes>
+</file>
+
+<file path=ppt/notesSlides/notesSlide12.xml><?xml version="1.0" encoding="utf-8"?>
+<p:notes xmlns:a="http://schemas.openxmlformats.org/drawingml/2006/main" xmlns:r="http://schemas.openxmlformats.org/officeDocument/2006/relationships" xmlns:p="http://schemas.openxmlformats.org/presentationml/2006/main">
+  <p:cSld>
+    <p:spTree>
+      <p:nvGrpSpPr>
+        <p:cNvPr id="1" name=""/>
+        <p:cNvGrpSpPr/>
+        <p:nvPr/>
+      </p:nvGrpSpPr>
+      <p:grpSpPr>
+        <a:xfrm>
+          <a:off x="0" y="0"/>
+          <a:ext cx="0" cy="0"/>
+          <a:chOff x="0" y="0"/>
+          <a:chExt cx="0" cy="0"/>
+        </a:xfrm>
+      </p:grpSpPr>
+      <p:sp>
+        <p:nvSpPr>
+          <p:cNvPr id="2" name="Folienbildplatzhalter 1"/>
+          <p:cNvSpPr>
+            <a:spLocks noGrp="1" noRot="1" noChangeAspect="1"/>
+          </p:cNvSpPr>
+          <p:nvPr>
+            <p:ph type="sldImg"/>
+          </p:nvPr>
+        </p:nvSpPr>
+        <p:spPr/>
+      </p:sp>
+      <p:sp>
+        <p:nvSpPr>
+          <p:cNvPr id="3" name="Notizenplatzhalter 2"/>
+          <p:cNvSpPr>
+            <a:spLocks noGrp="1"/>
+          </p:cNvSpPr>
+          <p:nvPr>
+            <p:ph type="body" idx="1"/>
+          </p:nvPr>
+        </p:nvSpPr>
+        <p:spPr/>
+        <p:txBody>
+          <a:bodyPr/>
+          <a:lstStyle/>
+          <a:p>
+            <a:pPr marL="342900" lvl="0" indent="-342900">
+              <a:lnSpc>
+                <a:spcPct val="107000"/>
+              </a:lnSpc>
+              <a:buFont typeface="Symbol" panose="05050102010706020507" pitchFamily="18" charset="2"/>
+              <a:buChar char=""/>
+              <a:tabLst>
+                <a:tab pos="457200" algn="l"/>
+              </a:tabLst>
+            </a:pPr>
+            <a:endParaRPr lang="de-DE" sz="1800" dirty="0">
+              <a:effectLst/>
+              <a:latin typeface="Calibri" panose="020F0502020204030204" pitchFamily="34" charset="0"/>
+              <a:ea typeface="Calibri" panose="020F0502020204030204" pitchFamily="34" charset="0"/>
+              <a:cs typeface="Times New Roman" panose="02020603050405020304" pitchFamily="18" charset="0"/>
+            </a:endParaRPr>
+          </a:p>
+        </p:txBody>
+      </p:sp>
+      <p:sp>
+        <p:nvSpPr>
+          <p:cNvPr id="4" name="Foliennummernplatzhalter 3"/>
+          <p:cNvSpPr>
+            <a:spLocks noGrp="1"/>
+          </p:cNvSpPr>
+          <p:nvPr>
+            <p:ph type="sldNum" sz="quarter" idx="5"/>
+          </p:nvPr>
+        </p:nvSpPr>
+        <p:spPr/>
+        <p:txBody>
+          <a:bodyPr/>
+          <a:lstStyle/>
+          <a:p>
+            <a:fld id="{DFFA96FF-476F-44F5-A04E-CE12C96C6E84}" type="slidenum">
+              <a:rPr lang="de-DE" smtClean="0"/>
+              <a:t>12</a:t>
+            </a:fld>
+            <a:endParaRPr lang="de-DE" dirty="0"/>
+          </a:p>
+        </p:txBody>
+      </p:sp>
+    </p:spTree>
+    <p:extLst>
+      <p:ext uri="{BB962C8B-B14F-4D97-AF65-F5344CB8AC3E}">
+        <p14:creationId xmlns:p14="http://schemas.microsoft.com/office/powerpoint/2010/main" val="2458220136"/>
+      </p:ext>
+    </p:extLst>
+  </p:cSld>
+  <p:clrMapOvr>
+    <a:masterClrMapping/>
+  </p:clrMapOvr>
+</p:notes>
+</file>
+
 <file path=ppt/notesSlides/notesSlide2.xml><?xml version="1.0" encoding="utf-8"?>
 <p:notes xmlns:a="http://schemas.openxmlformats.org/drawingml/2006/main" xmlns:r="http://schemas.openxmlformats.org/officeDocument/2006/relationships" xmlns:p="http://schemas.openxmlformats.org/presentationml/2006/main">
   <p:cSld>
@@ -1680,15 +2109,7 @@
             </a:r>
             <a:r>
               <a:rPr lang="de-CH" dirty="0"/>
-              <a:t> </a:t>
-            </a:r>
-            <a:r>
-              <a:rPr lang="de-CH" dirty="0" err="1"/>
-              <a:t>english</a:t>
-            </a:r>
-            <a:r>
-              <a:rPr lang="de-CH" dirty="0"/>
-              <a:t> model possible</a:t>
+              <a:t> english model possible</a:t>
             </a:r>
           </a:p>
           <a:p>
@@ -1931,11 +2352,19 @@
             </a:r>
             <a:r>
               <a:rPr lang="de-CH" dirty="0"/>
-              <a:t> </a:t>
+              <a:t> to </a:t>
             </a:r>
             <a:r>
               <a:rPr lang="de-CH" dirty="0" err="1"/>
-              <a:t>to</a:t>
+              <a:t>solve</a:t>
+            </a:r>
+            <a:r>
+              <a:rPr lang="de-CH" dirty="0"/>
+              <a:t> NLP Tasks like </a:t>
+            </a:r>
+            <a:r>
+              <a:rPr lang="de-CH" dirty="0" err="1"/>
+              <a:t>summarization</a:t>
             </a:r>
             <a:r>
               <a:rPr lang="de-CH" dirty="0"/>
@@ -1943,15 +2372,7 @@
             </a:r>
             <a:r>
               <a:rPr lang="de-CH" dirty="0" err="1"/>
-              <a:t>solve</a:t>
-            </a:r>
-            <a:r>
-              <a:rPr lang="de-CH" dirty="0"/>
-              <a:t> NLP Tasks like </a:t>
-            </a:r>
-            <a:r>
-              <a:rPr lang="de-CH" dirty="0" err="1"/>
-              <a:t>summarization</a:t>
+              <a:t>or</a:t>
             </a:r>
             <a:r>
               <a:rPr lang="de-CH" dirty="0"/>
@@ -1959,7 +2380,7 @@
             </a:r>
             <a:r>
               <a:rPr lang="de-CH" dirty="0" err="1"/>
-              <a:t>or</a:t>
+              <a:t>named</a:t>
             </a:r>
             <a:r>
               <a:rPr lang="de-CH" dirty="0"/>
@@ -1967,7 +2388,7 @@
             </a:r>
             <a:r>
               <a:rPr lang="de-CH" dirty="0" err="1"/>
-              <a:t>named</a:t>
+              <a:t>entitity</a:t>
             </a:r>
             <a:r>
               <a:rPr lang="de-CH" dirty="0"/>
@@ -1975,7 +2396,18 @@
             </a:r>
             <a:r>
               <a:rPr lang="de-CH" dirty="0" err="1"/>
-              <a:t>entitity</a:t>
+              <a:t>recognition</a:t>
+            </a:r>
+            <a:endParaRPr lang="de-CH" dirty="0"/>
+          </a:p>
+          <a:p>
+            <a:pPr marL="171450" indent="-171450">
+              <a:buFontTx/>
+              <a:buChar char="-"/>
+            </a:pPr>
+            <a:r>
+              <a:rPr lang="de-CH" dirty="0" err="1"/>
+              <a:t>For</a:t>
             </a:r>
             <a:r>
               <a:rPr lang="de-CH" dirty="0"/>
@@ -1983,8 +2415,253 @@
             </a:r>
             <a:r>
               <a:rPr lang="de-CH" dirty="0" err="1"/>
-              <a:t>recognition</a:t>
-            </a:r>
+              <a:t>this</a:t>
+            </a:r>
+            <a:r>
+              <a:rPr lang="de-CH" dirty="0"/>
+              <a:t> </a:t>
+            </a:r>
+            <a:r>
+              <a:rPr lang="de-CH" dirty="0" err="1"/>
+              <a:t>tasks</a:t>
+            </a:r>
+            <a:r>
+              <a:rPr lang="de-CH" dirty="0"/>
+              <a:t> </a:t>
+            </a:r>
+            <a:r>
+              <a:rPr lang="de-CH" dirty="0" err="1"/>
+              <a:t>we</a:t>
+            </a:r>
+            <a:r>
+              <a:rPr lang="de-CH" dirty="0"/>
+              <a:t> </a:t>
+            </a:r>
+            <a:r>
+              <a:rPr lang="de-CH" dirty="0" err="1"/>
+              <a:t>can</a:t>
+            </a:r>
+            <a:r>
+              <a:rPr lang="de-CH" dirty="0"/>
+              <a:t> </a:t>
+            </a:r>
+            <a:r>
+              <a:rPr lang="de-CH" dirty="0" err="1"/>
+              <a:t>use</a:t>
+            </a:r>
+            <a:r>
+              <a:rPr lang="de-CH" dirty="0"/>
+              <a:t> </a:t>
+            </a:r>
+            <a:r>
+              <a:rPr lang="de-CH" dirty="0" err="1"/>
+              <a:t>pretrained</a:t>
+            </a:r>
+            <a:r>
+              <a:rPr lang="de-CH" dirty="0"/>
+              <a:t> </a:t>
+            </a:r>
+            <a:r>
+              <a:rPr lang="de-CH" dirty="0" err="1"/>
+              <a:t>models</a:t>
+            </a:r>
+            <a:r>
+              <a:rPr lang="de-CH" dirty="0"/>
+              <a:t> on </a:t>
+            </a:r>
+            <a:r>
+              <a:rPr lang="de-CH" dirty="0" err="1"/>
+              <a:t>the</a:t>
+            </a:r>
+            <a:r>
+              <a:rPr lang="de-CH" dirty="0"/>
+              <a:t> multilingual </a:t>
+            </a:r>
+            <a:r>
+              <a:rPr lang="de-CH" dirty="0" err="1"/>
+              <a:t>embeddings</a:t>
+            </a:r>
+            <a:endParaRPr lang="de-CH" dirty="0"/>
+          </a:p>
+          <a:p>
+            <a:pPr marL="171450" indent="-171450">
+              <a:buFontTx/>
+              <a:buChar char="-"/>
+            </a:pPr>
+            <a:r>
+              <a:rPr lang="de-CH" dirty="0" err="1"/>
+              <a:t>Usually</a:t>
+            </a:r>
+            <a:r>
+              <a:rPr lang="de-CH" dirty="0"/>
+              <a:t>, </a:t>
+            </a:r>
+            <a:r>
+              <a:rPr lang="de-CH" dirty="0" err="1"/>
+              <a:t>we</a:t>
+            </a:r>
+            <a:r>
+              <a:rPr lang="de-CH" dirty="0"/>
+              <a:t> </a:t>
+            </a:r>
+            <a:r>
+              <a:rPr lang="de-CH" dirty="0" err="1"/>
+              <a:t>get</a:t>
+            </a:r>
+            <a:r>
+              <a:rPr lang="de-CH" dirty="0"/>
+              <a:t> a </a:t>
+            </a:r>
+            <a:r>
+              <a:rPr lang="de-CH" dirty="0" err="1"/>
+              <a:t>text</a:t>
+            </a:r>
+            <a:r>
+              <a:rPr lang="de-CH" dirty="0"/>
+              <a:t> </a:t>
+            </a:r>
+            <a:r>
+              <a:rPr lang="de-CH" dirty="0" err="1"/>
+              <a:t>output</a:t>
+            </a:r>
+            <a:r>
+              <a:rPr lang="de-CH" dirty="0"/>
+              <a:t> </a:t>
+            </a:r>
+            <a:r>
+              <a:rPr lang="de-CH" dirty="0" err="1"/>
+              <a:t>from</a:t>
+            </a:r>
+            <a:r>
+              <a:rPr lang="de-CH" dirty="0"/>
+              <a:t> </a:t>
+            </a:r>
+            <a:r>
+              <a:rPr lang="de-CH" dirty="0" err="1"/>
+              <a:t>the</a:t>
+            </a:r>
+            <a:r>
+              <a:rPr lang="de-CH" dirty="0"/>
+              <a:t> NLP </a:t>
+            </a:r>
+            <a:r>
+              <a:rPr lang="de-CH" dirty="0" err="1"/>
+              <a:t>model</a:t>
+            </a:r>
+            <a:r>
+              <a:rPr lang="de-CH" dirty="0"/>
+              <a:t>, </a:t>
+            </a:r>
+            <a:r>
+              <a:rPr lang="de-CH" dirty="0" err="1"/>
+              <a:t>instead</a:t>
+            </a:r>
+            <a:r>
+              <a:rPr lang="de-CH" dirty="0"/>
+              <a:t> </a:t>
+            </a:r>
+            <a:r>
+              <a:rPr lang="de-CH" dirty="0" err="1"/>
+              <a:t>we</a:t>
+            </a:r>
+            <a:r>
+              <a:rPr lang="de-CH" dirty="0"/>
+              <a:t> </a:t>
+            </a:r>
+            <a:r>
+              <a:rPr lang="de-CH" dirty="0" err="1"/>
+              <a:t>aim</a:t>
+            </a:r>
+            <a:r>
+              <a:rPr lang="de-CH" dirty="0"/>
+              <a:t> to </a:t>
+            </a:r>
+            <a:r>
+              <a:rPr lang="de-CH" dirty="0" err="1"/>
+              <a:t>get</a:t>
+            </a:r>
+            <a:r>
+              <a:rPr lang="de-CH" dirty="0"/>
+              <a:t> a </a:t>
+            </a:r>
+            <a:r>
+              <a:rPr lang="de-CH" dirty="0" err="1"/>
+              <a:t>language</a:t>
+            </a:r>
+            <a:r>
+              <a:rPr lang="de-CH" dirty="0"/>
+              <a:t> </a:t>
+            </a:r>
+            <a:r>
+              <a:rPr lang="de-CH" dirty="0" err="1"/>
+              <a:t>indenpendent</a:t>
+            </a:r>
+            <a:r>
+              <a:rPr lang="de-CH" dirty="0"/>
+              <a:t> </a:t>
+            </a:r>
+            <a:r>
+              <a:rPr lang="de-CH" dirty="0" err="1"/>
+              <a:t>embedding</a:t>
+            </a:r>
+            <a:r>
+              <a:rPr lang="de-CH" dirty="0"/>
+              <a:t> </a:t>
+            </a:r>
+            <a:r>
+              <a:rPr lang="de-CH" dirty="0" err="1"/>
+              <a:t>which</a:t>
+            </a:r>
+            <a:r>
+              <a:rPr lang="de-CH" dirty="0"/>
+              <a:t> </a:t>
+            </a:r>
+            <a:r>
+              <a:rPr lang="de-CH" dirty="0" err="1"/>
+              <a:t>can</a:t>
+            </a:r>
+            <a:r>
+              <a:rPr lang="de-CH" dirty="0"/>
+              <a:t> </a:t>
+            </a:r>
+            <a:r>
+              <a:rPr lang="de-CH" dirty="0" err="1"/>
+              <a:t>be</a:t>
+            </a:r>
+            <a:r>
+              <a:rPr lang="de-CH" dirty="0"/>
+              <a:t> </a:t>
+            </a:r>
+            <a:r>
+              <a:rPr lang="de-CH" dirty="0" err="1"/>
+              <a:t>transformed</a:t>
+            </a:r>
+            <a:r>
+              <a:rPr lang="de-CH" dirty="0"/>
+              <a:t> to </a:t>
+            </a:r>
+            <a:r>
+              <a:rPr lang="de-CH" dirty="0" err="1"/>
+              <a:t>any</a:t>
+            </a:r>
+            <a:r>
+              <a:rPr lang="de-CH" dirty="0"/>
+              <a:t> </a:t>
+            </a:r>
+            <a:r>
+              <a:rPr lang="de-CH" dirty="0" err="1"/>
+              <a:t>language</a:t>
+            </a:r>
+            <a:r>
+              <a:rPr lang="de-CH" dirty="0"/>
+              <a:t>.</a:t>
+            </a:r>
+          </a:p>
+          <a:p>
+            <a:pPr marL="171450" indent="-171450">
+              <a:buFontTx/>
+              <a:buChar char="-"/>
+            </a:pPr>
             <a:endParaRPr lang="de-CH" dirty="0"/>
           </a:p>
           <a:p>
@@ -2076,9 +2753,164 @@
           <a:bodyPr/>
           <a:lstStyle/>
           <a:p>
+            <a:pPr marL="171450" indent="-171450">
+              <a:buFontTx/>
+              <a:buChar char="-"/>
+            </a:pPr>
+            <a:r>
+              <a:rPr lang="de-CH" dirty="0" err="1"/>
+              <a:t>We</a:t>
+            </a:r>
             <a:r>
               <a:rPr lang="de-CH" dirty="0"/>
-              <a:t>- Laser </a:t>
+              <a:t> </a:t>
+            </a:r>
+            <a:r>
+              <a:rPr lang="de-CH" dirty="0" err="1"/>
+              <a:t>focused</a:t>
+            </a:r>
+            <a:r>
+              <a:rPr lang="de-CH" dirty="0"/>
+              <a:t> on </a:t>
+            </a:r>
+            <a:r>
+              <a:rPr lang="de-CH" dirty="0" err="1"/>
+              <a:t>only</a:t>
+            </a:r>
+            <a:r>
+              <a:rPr lang="de-CH" dirty="0"/>
+              <a:t> on </a:t>
+            </a:r>
+            <a:r>
+              <a:rPr lang="de-CH" dirty="0" err="1"/>
+              <a:t>the</a:t>
+            </a:r>
+            <a:r>
+              <a:rPr lang="de-CH" dirty="0"/>
+              <a:t> </a:t>
+            </a:r>
+            <a:r>
+              <a:rPr lang="de-CH" dirty="0" err="1"/>
+              <a:t>first</a:t>
+            </a:r>
+            <a:r>
+              <a:rPr lang="de-CH" dirty="0"/>
+              <a:t> </a:t>
+            </a:r>
+            <a:r>
+              <a:rPr lang="de-CH" dirty="0" err="1"/>
+              <a:t>part</a:t>
+            </a:r>
+            <a:r>
+              <a:rPr lang="de-CH" dirty="0"/>
+              <a:t>, to </a:t>
+            </a:r>
+            <a:r>
+              <a:rPr lang="de-CH" dirty="0" err="1"/>
+              <a:t>get</a:t>
+            </a:r>
+            <a:r>
+              <a:rPr lang="de-CH" dirty="0"/>
+              <a:t> </a:t>
+            </a:r>
+            <a:r>
+              <a:rPr lang="de-CH" dirty="0" err="1"/>
+              <a:t>language</a:t>
+            </a:r>
+            <a:r>
+              <a:rPr lang="de-CH" dirty="0"/>
+              <a:t> </a:t>
+            </a:r>
+            <a:r>
+              <a:rPr lang="de-CH" dirty="0" err="1"/>
+              <a:t>independent</a:t>
+            </a:r>
+            <a:r>
+              <a:rPr lang="de-CH" dirty="0"/>
+              <a:t> </a:t>
+            </a:r>
+            <a:r>
+              <a:rPr lang="de-CH" dirty="0" err="1"/>
+              <a:t>representations</a:t>
+            </a:r>
+            <a:r>
+              <a:rPr lang="de-CH" dirty="0"/>
+              <a:t> of </a:t>
+            </a:r>
+            <a:r>
+              <a:rPr lang="de-CH" dirty="0" err="1"/>
+              <a:t>the</a:t>
+            </a:r>
+            <a:r>
+              <a:rPr lang="de-CH" dirty="0"/>
+              <a:t> </a:t>
+            </a:r>
+            <a:r>
+              <a:rPr lang="de-CH" dirty="0" err="1"/>
+              <a:t>text</a:t>
+            </a:r>
+            <a:endParaRPr lang="de-CH" dirty="0"/>
+          </a:p>
+          <a:p>
+            <a:pPr marL="171450" indent="-171450">
+              <a:buFontTx/>
+              <a:buChar char="-"/>
+            </a:pPr>
+            <a:r>
+              <a:rPr lang="de-CH" dirty="0" err="1"/>
+              <a:t>Therefore</a:t>
+            </a:r>
+            <a:r>
+              <a:rPr lang="de-CH" dirty="0"/>
+              <a:t>, </a:t>
+            </a:r>
+            <a:r>
+              <a:rPr lang="de-CH" dirty="0" err="1"/>
+              <a:t>we</a:t>
+            </a:r>
+            <a:r>
+              <a:rPr lang="de-CH" dirty="0"/>
+              <a:t> </a:t>
+            </a:r>
+            <a:r>
+              <a:rPr lang="de-CH" dirty="0" err="1"/>
+              <a:t>used</a:t>
+            </a:r>
+            <a:r>
+              <a:rPr lang="de-CH" dirty="0"/>
+              <a:t> a multilingual </a:t>
+            </a:r>
+            <a:r>
+              <a:rPr lang="de-CH" dirty="0" err="1"/>
+              <a:t>model</a:t>
+            </a:r>
+            <a:r>
+              <a:rPr lang="de-CH" dirty="0"/>
+              <a:t> </a:t>
+            </a:r>
+            <a:r>
+              <a:rPr lang="de-CH" dirty="0" err="1"/>
+              <a:t>by</a:t>
+            </a:r>
+            <a:r>
+              <a:rPr lang="de-CH" dirty="0"/>
+              <a:t> Facebook, </a:t>
+            </a:r>
+            <a:r>
+              <a:rPr lang="de-CH" dirty="0" err="1"/>
+              <a:t>which</a:t>
+            </a:r>
+            <a:r>
+              <a:rPr lang="de-CH" dirty="0"/>
+              <a:t> </a:t>
+            </a:r>
+            <a:r>
+              <a:rPr lang="de-CH" dirty="0" err="1"/>
+              <a:t>is</a:t>
+            </a:r>
+            <a:r>
+              <a:rPr lang="de-CH" dirty="0"/>
+              <a:t> </a:t>
             </a:r>
             <a:r>
               <a:rPr lang="de-CH" dirty="0" err="1"/>
@@ -2108,7 +2940,159 @@
               <a:rPr lang="de-DE" dirty="0" err="1"/>
               <a:t>alphabets</a:t>
             </a:r>
-            <a:endParaRPr lang="de-CH" dirty="0"/>
+            <a:endParaRPr lang="de-DE" dirty="0"/>
+          </a:p>
+          <a:p>
+            <a:pPr marL="171450" indent="-171450">
+              <a:buFontTx/>
+              <a:buChar char="-"/>
+            </a:pPr>
+            <a:r>
+              <a:rPr lang="de-DE" dirty="0" err="1"/>
+              <a:t>There</a:t>
+            </a:r>
+            <a:r>
+              <a:rPr lang="de-DE" dirty="0"/>
+              <a:t> </a:t>
+            </a:r>
+            <a:r>
+              <a:rPr lang="de-DE" dirty="0" err="1"/>
+              <a:t>are</a:t>
+            </a:r>
+            <a:r>
+              <a:rPr lang="de-DE" dirty="0"/>
+              <a:t> </a:t>
+            </a:r>
+            <a:r>
+              <a:rPr lang="de-DE" dirty="0" err="1"/>
+              <a:t>other</a:t>
+            </a:r>
+            <a:r>
+              <a:rPr lang="de-DE" dirty="0"/>
+              <a:t> </a:t>
+            </a:r>
+            <a:r>
+              <a:rPr lang="de-DE" dirty="0" err="1"/>
+              <a:t>similar</a:t>
+            </a:r>
+            <a:r>
+              <a:rPr lang="de-DE" dirty="0"/>
+              <a:t> </a:t>
+            </a:r>
+            <a:r>
+              <a:rPr lang="de-DE" dirty="0" err="1"/>
+              <a:t>models</a:t>
+            </a:r>
+            <a:r>
+              <a:rPr lang="de-DE" dirty="0"/>
+              <a:t> </a:t>
+            </a:r>
+            <a:r>
+              <a:rPr lang="de-DE" dirty="0" err="1"/>
+              <a:t>available</a:t>
+            </a:r>
+            <a:r>
+              <a:rPr lang="de-DE" dirty="0"/>
+              <a:t>, </a:t>
+            </a:r>
+            <a:r>
+              <a:rPr lang="de-DE" dirty="0" err="1"/>
+              <a:t>for</a:t>
+            </a:r>
+            <a:r>
+              <a:rPr lang="de-DE" dirty="0"/>
+              <a:t> </a:t>
+            </a:r>
+            <a:r>
+              <a:rPr lang="de-DE" dirty="0" err="1"/>
+              <a:t>example</a:t>
+            </a:r>
+            <a:r>
+              <a:rPr lang="de-DE" dirty="0"/>
+              <a:t> </a:t>
+            </a:r>
+            <a:r>
+              <a:rPr lang="de-DE" dirty="0" err="1"/>
+              <a:t>from</a:t>
+            </a:r>
+            <a:r>
+              <a:rPr lang="de-DE" dirty="0"/>
+              <a:t> Google. </a:t>
+            </a:r>
+          </a:p>
+          <a:p>
+            <a:pPr marL="171450" indent="-171450">
+              <a:buFontTx/>
+              <a:buChar char="-"/>
+            </a:pPr>
+            <a:r>
+              <a:rPr lang="de-DE" dirty="0"/>
+              <a:t>First of all, </a:t>
+            </a:r>
+            <a:r>
+              <a:rPr lang="de-DE" dirty="0" err="1"/>
+              <a:t>we</a:t>
+            </a:r>
+            <a:r>
+              <a:rPr lang="de-DE" dirty="0"/>
+              <a:t> </a:t>
+            </a:r>
+            <a:r>
+              <a:rPr lang="de-DE" dirty="0" err="1"/>
+              <a:t>wanted</a:t>
+            </a:r>
+            <a:r>
+              <a:rPr lang="de-DE" dirty="0"/>
+              <a:t> </a:t>
+            </a:r>
+            <a:r>
+              <a:rPr lang="de-DE" dirty="0" err="1"/>
+              <a:t>to</a:t>
+            </a:r>
+            <a:r>
+              <a:rPr lang="de-DE" dirty="0"/>
+              <a:t> </a:t>
+            </a:r>
+            <a:r>
+              <a:rPr lang="de-DE" dirty="0" err="1"/>
+              <a:t>figure</a:t>
+            </a:r>
+            <a:r>
+              <a:rPr lang="de-DE" dirty="0"/>
+              <a:t> out </a:t>
+            </a:r>
+            <a:r>
+              <a:rPr lang="de-DE" dirty="0" err="1"/>
+              <a:t>how</a:t>
+            </a:r>
+            <a:r>
+              <a:rPr lang="de-DE" dirty="0"/>
+              <a:t> </a:t>
+            </a:r>
+            <a:r>
+              <a:rPr lang="de-DE" dirty="0" err="1"/>
+              <a:t>these</a:t>
+            </a:r>
+            <a:r>
+              <a:rPr lang="de-DE" dirty="0"/>
+              <a:t> </a:t>
+            </a:r>
+            <a:r>
+              <a:rPr lang="de-DE" dirty="0" err="1"/>
+              <a:t>mutlilingual</a:t>
+            </a:r>
+            <a:r>
+              <a:rPr lang="de-DE" dirty="0"/>
+              <a:t> </a:t>
+            </a:r>
+            <a:r>
+              <a:rPr lang="de-DE" dirty="0" err="1"/>
+              <a:t>embeddings</a:t>
+            </a:r>
+            <a:r>
+              <a:rPr lang="de-DE" dirty="0"/>
+              <a:t> work</a:t>
+            </a:r>
           </a:p>
         </p:txBody>
       </p:sp>
@@ -2213,7 +3197,7 @@
           <a:p>
             <a:fld id="{23453D01-401A-4B13-AB37-84850A6A364D}" type="slidenum">
               <a:rPr lang="de-CH" smtClean="0"/>
-              <a:t>7</a:t>
+              <a:t>6</a:t>
             </a:fld>
             <a:endParaRPr lang="de-CH"/>
           </a:p>
@@ -2276,22 +3260,7 @@
           <a:bodyPr/>
           <a:lstStyle/>
           <a:p>
-            <a:pPr marL="342900" lvl="0" indent="-342900">
-              <a:lnSpc>
-                <a:spcPct val="107000"/>
-              </a:lnSpc>
-              <a:buFont typeface="Symbol" panose="05050102010706020507" pitchFamily="18" charset="2"/>
-              <a:buChar char=""/>
-              <a:tabLst>
-                <a:tab pos="457200" algn="l"/>
-              </a:tabLst>
-            </a:pPr>
-            <a:endParaRPr lang="de-DE" sz="1800" dirty="0">
-              <a:effectLst/>
-              <a:latin typeface="Calibri" panose="020F0502020204030204" pitchFamily="34" charset="0"/>
-              <a:ea typeface="Calibri" panose="020F0502020204030204" pitchFamily="34" charset="0"/>
-              <a:cs typeface="Times New Roman" panose="02020603050405020304" pitchFamily="18" charset="0"/>
-            </a:endParaRPr>
+            <a:endParaRPr lang="de-CH" dirty="0"/>
           </a:p>
         </p:txBody>
       </p:sp>
@@ -2310,18 +3279,269 @@
           <a:bodyPr/>
           <a:lstStyle/>
           <a:p>
-            <a:fld id="{DFFA96FF-476F-44F5-A04E-CE12C96C6E84}" type="slidenum">
-              <a:rPr lang="de-DE" smtClean="0"/>
-              <a:t>10</a:t>
+            <a:fld id="{23453D01-401A-4B13-AB37-84850A6A364D}" type="slidenum">
+              <a:rPr lang="de-CH" smtClean="0"/>
+              <a:t>7</a:t>
             </a:fld>
-            <a:endParaRPr lang="de-DE" dirty="0"/>
+            <a:endParaRPr lang="de-CH"/>
           </a:p>
         </p:txBody>
       </p:sp>
     </p:spTree>
     <p:extLst>
       <p:ext uri="{BB962C8B-B14F-4D97-AF65-F5344CB8AC3E}">
-        <p14:creationId xmlns:p14="http://schemas.microsoft.com/office/powerpoint/2010/main" val="2458220136"/>
+        <p14:creationId xmlns:p14="http://schemas.microsoft.com/office/powerpoint/2010/main" val="1069262009"/>
+      </p:ext>
+    </p:extLst>
+  </p:cSld>
+  <p:clrMapOvr>
+    <a:masterClrMapping/>
+  </p:clrMapOvr>
+</p:notes>
+</file>
+
+<file path=ppt/notesSlides/notesSlide8.xml><?xml version="1.0" encoding="utf-8"?>
+<p:notes xmlns:a="http://schemas.openxmlformats.org/drawingml/2006/main" xmlns:r="http://schemas.openxmlformats.org/officeDocument/2006/relationships" xmlns:p="http://schemas.openxmlformats.org/presentationml/2006/main">
+  <p:cSld>
+    <p:spTree>
+      <p:nvGrpSpPr>
+        <p:cNvPr id="1" name=""/>
+        <p:cNvGrpSpPr/>
+        <p:nvPr/>
+      </p:nvGrpSpPr>
+      <p:grpSpPr>
+        <a:xfrm>
+          <a:off x="0" y="0"/>
+          <a:ext cx="0" cy="0"/>
+          <a:chOff x="0" y="0"/>
+          <a:chExt cx="0" cy="0"/>
+        </a:xfrm>
+      </p:grpSpPr>
+      <p:sp>
+        <p:nvSpPr>
+          <p:cNvPr id="2" name="Folienbildplatzhalter 1"/>
+          <p:cNvSpPr>
+            <a:spLocks noGrp="1" noRot="1" noChangeAspect="1"/>
+          </p:cNvSpPr>
+          <p:nvPr>
+            <p:ph type="sldImg"/>
+          </p:nvPr>
+        </p:nvSpPr>
+        <p:spPr/>
+      </p:sp>
+      <p:sp>
+        <p:nvSpPr>
+          <p:cNvPr id="3" name="Notizenplatzhalter 2"/>
+          <p:cNvSpPr>
+            <a:spLocks noGrp="1"/>
+          </p:cNvSpPr>
+          <p:nvPr>
+            <p:ph type="body" idx="1"/>
+          </p:nvPr>
+        </p:nvSpPr>
+        <p:spPr/>
+        <p:txBody>
+          <a:bodyPr/>
+          <a:lstStyle/>
+          <a:p>
+            <a:endParaRPr lang="de-CH" dirty="0"/>
+          </a:p>
+        </p:txBody>
+      </p:sp>
+      <p:sp>
+        <p:nvSpPr>
+          <p:cNvPr id="4" name="Foliennummernplatzhalter 3"/>
+          <p:cNvSpPr>
+            <a:spLocks noGrp="1"/>
+          </p:cNvSpPr>
+          <p:nvPr>
+            <p:ph type="sldNum" sz="quarter" idx="5"/>
+          </p:nvPr>
+        </p:nvSpPr>
+        <p:spPr/>
+        <p:txBody>
+          <a:bodyPr/>
+          <a:lstStyle/>
+          <a:p>
+            <a:fld id="{23453D01-401A-4B13-AB37-84850A6A364D}" type="slidenum">
+              <a:rPr lang="de-CH" smtClean="0"/>
+              <a:t>8</a:t>
+            </a:fld>
+            <a:endParaRPr lang="de-CH"/>
+          </a:p>
+        </p:txBody>
+      </p:sp>
+    </p:spTree>
+    <p:extLst>
+      <p:ext uri="{BB962C8B-B14F-4D97-AF65-F5344CB8AC3E}">
+        <p14:creationId xmlns:p14="http://schemas.microsoft.com/office/powerpoint/2010/main" val="4203195219"/>
+      </p:ext>
+    </p:extLst>
+  </p:cSld>
+  <p:clrMapOvr>
+    <a:masterClrMapping/>
+  </p:clrMapOvr>
+</p:notes>
+</file>
+
+<file path=ppt/notesSlides/notesSlide9.xml><?xml version="1.0" encoding="utf-8"?>
+<p:notes xmlns:a="http://schemas.openxmlformats.org/drawingml/2006/main" xmlns:r="http://schemas.openxmlformats.org/officeDocument/2006/relationships" xmlns:p="http://schemas.openxmlformats.org/presentationml/2006/main">
+  <p:cSld>
+    <p:spTree>
+      <p:nvGrpSpPr>
+        <p:cNvPr id="1" name=""/>
+        <p:cNvGrpSpPr/>
+        <p:nvPr/>
+      </p:nvGrpSpPr>
+      <p:grpSpPr>
+        <a:xfrm>
+          <a:off x="0" y="0"/>
+          <a:ext cx="0" cy="0"/>
+          <a:chOff x="0" y="0"/>
+          <a:chExt cx="0" cy="0"/>
+        </a:xfrm>
+      </p:grpSpPr>
+      <p:sp>
+        <p:nvSpPr>
+          <p:cNvPr id="2" name="Folienbildplatzhalter 1"/>
+          <p:cNvSpPr>
+            <a:spLocks noGrp="1" noRot="1" noChangeAspect="1"/>
+          </p:cNvSpPr>
+          <p:nvPr>
+            <p:ph type="sldImg"/>
+          </p:nvPr>
+        </p:nvSpPr>
+        <p:spPr/>
+      </p:sp>
+      <p:sp>
+        <p:nvSpPr>
+          <p:cNvPr id="3" name="Notizenplatzhalter 2"/>
+          <p:cNvSpPr>
+            <a:spLocks noGrp="1"/>
+          </p:cNvSpPr>
+          <p:nvPr>
+            <p:ph type="body" idx="1"/>
+          </p:nvPr>
+        </p:nvSpPr>
+        <p:spPr/>
+        <p:txBody>
+          <a:bodyPr/>
+          <a:lstStyle/>
+          <a:p>
+            <a:pPr marL="171450" indent="-171450">
+              <a:buFontTx/>
+              <a:buChar char="-"/>
+            </a:pPr>
+            <a:endParaRPr lang="de-CH" dirty="0"/>
+          </a:p>
+          <a:p>
+            <a:pPr marL="171450" indent="-171450">
+              <a:buFontTx/>
+              <a:buChar char="-"/>
+            </a:pPr>
+            <a:r>
+              <a:rPr lang="de-CH" dirty="0"/>
+              <a:t>As a simple </a:t>
+            </a:r>
+            <a:r>
+              <a:rPr lang="de-CH" dirty="0" err="1"/>
+              <a:t>proof</a:t>
+            </a:r>
+            <a:r>
+              <a:rPr lang="de-CH" dirty="0"/>
+              <a:t>-of-</a:t>
+            </a:r>
+            <a:r>
+              <a:rPr lang="de-CH" dirty="0" err="1"/>
+              <a:t>concept</a:t>
+            </a:r>
+            <a:r>
+              <a:rPr lang="de-CH" dirty="0"/>
+              <a:t> </a:t>
+            </a:r>
+            <a:r>
+              <a:rPr lang="de-CH" dirty="0" err="1"/>
+              <a:t>we</a:t>
+            </a:r>
+            <a:r>
+              <a:rPr lang="de-CH" dirty="0"/>
+              <a:t> </a:t>
+            </a:r>
+            <a:r>
+              <a:rPr lang="de-CH" dirty="0" err="1"/>
+              <a:t>tested</a:t>
+            </a:r>
+            <a:r>
+              <a:rPr lang="de-CH" dirty="0"/>
+              <a:t> </a:t>
+            </a:r>
+            <a:r>
+              <a:rPr lang="de-CH" dirty="0" err="1"/>
+              <a:t>our</a:t>
+            </a:r>
+            <a:r>
+              <a:rPr lang="de-CH" dirty="0"/>
+              <a:t> </a:t>
+            </a:r>
+            <a:r>
+              <a:rPr lang="de-CH" dirty="0" err="1"/>
+              <a:t>approach</a:t>
+            </a:r>
+            <a:r>
+              <a:rPr lang="de-CH" dirty="0"/>
+              <a:t> on </a:t>
+            </a:r>
+            <a:r>
+              <a:rPr lang="de-CH" dirty="0" err="1"/>
+              <a:t>two</a:t>
+            </a:r>
+            <a:r>
+              <a:rPr lang="de-CH" dirty="0"/>
+              <a:t> simple </a:t>
+            </a:r>
+            <a:r>
+              <a:rPr lang="de-CH" dirty="0" err="1"/>
+              <a:t>classification</a:t>
+            </a:r>
+            <a:r>
+              <a:rPr lang="de-CH" dirty="0"/>
+              <a:t> </a:t>
+            </a:r>
+            <a:r>
+              <a:rPr lang="de-CH" dirty="0" err="1"/>
+              <a:t>tasks</a:t>
+            </a:r>
+            <a:endParaRPr lang="de-CH" dirty="0"/>
+          </a:p>
+        </p:txBody>
+      </p:sp>
+      <p:sp>
+        <p:nvSpPr>
+          <p:cNvPr id="4" name="Foliennummernplatzhalter 3"/>
+          <p:cNvSpPr>
+            <a:spLocks noGrp="1"/>
+          </p:cNvSpPr>
+          <p:nvPr>
+            <p:ph type="sldNum" sz="quarter" idx="5"/>
+          </p:nvPr>
+        </p:nvSpPr>
+        <p:spPr/>
+        <p:txBody>
+          <a:bodyPr/>
+          <a:lstStyle/>
+          <a:p>
+            <a:fld id="{23453D01-401A-4B13-AB37-84850A6A364D}" type="slidenum">
+              <a:rPr lang="de-CH" smtClean="0"/>
+              <a:t>9</a:t>
+            </a:fld>
+            <a:endParaRPr lang="de-CH"/>
+          </a:p>
+        </p:txBody>
+      </p:sp>
+    </p:spTree>
+    <p:extLst>
+      <p:ext uri="{BB962C8B-B14F-4D97-AF65-F5344CB8AC3E}">
+        <p14:creationId xmlns:p14="http://schemas.microsoft.com/office/powerpoint/2010/main" val="1549993868"/>
       </p:ext>
     </p:extLst>
   </p:cSld>
@@ -5778,6 +6998,1052 @@
       </p:grpSpPr>
       <p:sp>
         <p:nvSpPr>
+          <p:cNvPr id="2" name="Titel 1">
+            <a:extLst>
+              <a:ext uri="{FF2B5EF4-FFF2-40B4-BE49-F238E27FC236}">
+                <a16:creationId xmlns:a16="http://schemas.microsoft.com/office/drawing/2014/main" id="{7B367F2E-6FCA-4FAD-84FC-3EB058EC8C80}"/>
+              </a:ext>
+            </a:extLst>
+          </p:cNvPr>
+          <p:cNvSpPr>
+            <a:spLocks noGrp="1"/>
+          </p:cNvSpPr>
+          <p:nvPr>
+            <p:ph type="title"/>
+          </p:nvPr>
+        </p:nvSpPr>
+        <p:spPr/>
+        <p:txBody>
+          <a:bodyPr/>
+          <a:lstStyle/>
+          <a:p>
+            <a:r>
+              <a:rPr lang="de-CH" dirty="0"/>
+              <a:t>Experiments</a:t>
+            </a:r>
+          </a:p>
+        </p:txBody>
+      </p:sp>
+      <p:sp>
+        <p:nvSpPr>
+          <p:cNvPr id="3" name="Inhaltsplatzhalter 2">
+            <a:extLst>
+              <a:ext uri="{FF2B5EF4-FFF2-40B4-BE49-F238E27FC236}">
+                <a16:creationId xmlns:a16="http://schemas.microsoft.com/office/drawing/2014/main" id="{D769C658-D50B-4B25-9A50-B631ABE8D3F5}"/>
+              </a:ext>
+            </a:extLst>
+          </p:cNvPr>
+          <p:cNvSpPr>
+            <a:spLocks noGrp="1"/>
+          </p:cNvSpPr>
+          <p:nvPr>
+            <p:ph idx="1"/>
+          </p:nvPr>
+        </p:nvSpPr>
+        <p:spPr/>
+        <p:txBody>
+          <a:bodyPr>
+            <a:normAutofit fontScale="85000" lnSpcReduction="10000"/>
+          </a:bodyPr>
+          <a:lstStyle/>
+          <a:p>
+            <a:r>
+              <a:rPr lang="de-CH" dirty="0"/>
+              <a:t>Classification Task</a:t>
+            </a:r>
+          </a:p>
+          <a:p>
+            <a:pPr lvl="1"/>
+            <a:r>
+              <a:rPr lang="de-CH" dirty="0"/>
+              <a:t>Sentiment anaylsis on movie data</a:t>
+            </a:r>
+          </a:p>
+          <a:p>
+            <a:pPr lvl="1"/>
+            <a:r>
+              <a:rPr lang="de-CH" dirty="0"/>
+              <a:t>Classify diagnoses to medical specialities</a:t>
+            </a:r>
+          </a:p>
+          <a:p>
+            <a:pPr lvl="1"/>
+            <a:endParaRPr lang="de-CH" dirty="0"/>
+          </a:p>
+          <a:p>
+            <a:r>
+              <a:rPr lang="de-CH" dirty="0"/>
+              <a:t>Approach</a:t>
+            </a:r>
+          </a:p>
+          <a:p>
+            <a:pPr lvl="1"/>
+            <a:r>
+              <a:rPr lang="de-CH" dirty="0"/>
+              <a:t>Use multilingual embeddings as input</a:t>
+            </a:r>
+          </a:p>
+          <a:p>
+            <a:pPr lvl="1"/>
+            <a:r>
+              <a:rPr lang="de-CH" dirty="0"/>
+              <a:t>Simple neural network for classification</a:t>
+            </a:r>
+          </a:p>
+          <a:p>
+            <a:pPr lvl="1"/>
+            <a:r>
+              <a:rPr lang="de-CH" dirty="0"/>
+              <a:t>Train on english descriptions</a:t>
+            </a:r>
+          </a:p>
+          <a:p>
+            <a:pPr lvl="1"/>
+            <a:r>
+              <a:rPr lang="de-CH" dirty="0"/>
+              <a:t>Test on german descriptions</a:t>
+            </a:r>
+          </a:p>
+          <a:p>
+            <a:pPr marL="457200" lvl="1" indent="0">
+              <a:buNone/>
+            </a:pPr>
+            <a:endParaRPr lang="de-CH" dirty="0"/>
+          </a:p>
+          <a:p>
+            <a:r>
+              <a:rPr lang="de-CH" dirty="0"/>
+              <a:t>Results</a:t>
+            </a:r>
+          </a:p>
+          <a:p>
+            <a:pPr lvl="1"/>
+            <a:r>
+              <a:rPr lang="de-CH" dirty="0"/>
+              <a:t>Accuracy on english movie data: 0.81 (n=1000), german movie data: 0.84 (n=50)</a:t>
+            </a:r>
+          </a:p>
+          <a:p>
+            <a:pPr lvl="1"/>
+            <a:r>
+              <a:rPr lang="de-CH" dirty="0"/>
+              <a:t>AUC on german english medical data: 0.82 (n=500) , german medical data: 0.82 (n=200)</a:t>
+            </a:r>
+          </a:p>
+          <a:p>
+            <a:pPr lvl="1"/>
+            <a:endParaRPr lang="de-CH" dirty="0"/>
+          </a:p>
+          <a:p>
+            <a:pPr lvl="1"/>
+            <a:endParaRPr lang="de-CH" dirty="0"/>
+          </a:p>
+          <a:p>
+            <a:endParaRPr lang="de-CH" dirty="0"/>
+          </a:p>
+          <a:p>
+            <a:pPr lvl="1"/>
+            <a:endParaRPr lang="de-CH" dirty="0"/>
+          </a:p>
+        </p:txBody>
+      </p:sp>
+      <p:pic>
+        <p:nvPicPr>
+          <p:cNvPr id="4" name="Picture 2" descr="Quellbild anzeigen">
+            <a:extLst>
+              <a:ext uri="{FF2B5EF4-FFF2-40B4-BE49-F238E27FC236}">
+                <a16:creationId xmlns:a16="http://schemas.microsoft.com/office/drawing/2014/main" id="{BF99A9FC-2B0E-49D2-A10B-AFED138E0814}"/>
+              </a:ext>
+            </a:extLst>
+          </p:cNvPr>
+          <p:cNvPicPr>
+            <a:picLocks noChangeAspect="1" noChangeArrowheads="1"/>
+          </p:cNvPicPr>
+          <p:nvPr/>
+        </p:nvPicPr>
+        <p:blipFill>
+          <a:blip r:embed="rId3">
+            <a:extLst>
+              <a:ext uri="{28A0092B-C50C-407E-A947-70E740481C1C}">
+                <a14:useLocalDpi xmlns:a14="http://schemas.microsoft.com/office/drawing/2010/main" val="0"/>
+              </a:ext>
+            </a:extLst>
+          </a:blip>
+          <a:stretch>
+            <a:fillRect/>
+          </a:stretch>
+        </p:blipFill>
+        <p:spPr bwMode="auto">
+          <a:xfrm>
+            <a:off x="8782051" y="-143009"/>
+            <a:ext cx="2963572" cy="1667009"/>
+          </a:xfrm>
+          <a:custGeom>
+            <a:avLst/>
+            <a:gdLst/>
+            <a:ahLst/>
+            <a:cxnLst/>
+            <a:rect l="l" t="t" r="r" b="b"/>
+            <a:pathLst>
+              <a:path w="4141760" h="4377846">
+                <a:moveTo>
+                  <a:pt x="0" y="0"/>
+                </a:moveTo>
+                <a:lnTo>
+                  <a:pt x="4141760" y="0"/>
+                </a:lnTo>
+                <a:lnTo>
+                  <a:pt x="4141760" y="4377846"/>
+                </a:lnTo>
+                <a:lnTo>
+                  <a:pt x="0" y="4377846"/>
+                </a:lnTo>
+                <a:close/>
+              </a:path>
+            </a:pathLst>
+          </a:custGeom>
+          <a:noFill/>
+          <a:extLst>
+            <a:ext uri="{909E8E84-426E-40DD-AFC4-6F175D3DCCD1}">
+              <a14:hiddenFill xmlns:a14="http://schemas.microsoft.com/office/drawing/2010/main">
+                <a:solidFill>
+                  <a:srgbClr val="FFFFFF"/>
+                </a:solidFill>
+              </a14:hiddenFill>
+            </a:ext>
+          </a:extLst>
+        </p:spPr>
+      </p:pic>
+    </p:spTree>
+    <p:extLst>
+      <p:ext uri="{BB962C8B-B14F-4D97-AF65-F5344CB8AC3E}">
+        <p14:creationId xmlns:p14="http://schemas.microsoft.com/office/powerpoint/2010/main" val="45209978"/>
+      </p:ext>
+    </p:extLst>
+  </p:cSld>
+  <p:clrMapOvr>
+    <a:masterClrMapping/>
+  </p:clrMapOvr>
+</p:sld>
+</file>
+
+<file path=ppt/slides/slide11.xml><?xml version="1.0" encoding="utf-8"?>
+<p:sld xmlns:a="http://schemas.openxmlformats.org/drawingml/2006/main" xmlns:r="http://schemas.openxmlformats.org/officeDocument/2006/relationships" xmlns:p="http://schemas.openxmlformats.org/presentationml/2006/main">
+  <p:cSld>
+    <p:spTree>
+      <p:nvGrpSpPr>
+        <p:cNvPr id="1" name=""/>
+        <p:cNvGrpSpPr/>
+        <p:nvPr/>
+      </p:nvGrpSpPr>
+      <p:grpSpPr>
+        <a:xfrm>
+          <a:off x="0" y="0"/>
+          <a:ext cx="0" cy="0"/>
+          <a:chOff x="0" y="0"/>
+          <a:chExt cx="0" cy="0"/>
+        </a:xfrm>
+      </p:grpSpPr>
+      <p:sp>
+        <p:nvSpPr>
+          <p:cNvPr id="2" name="Titel 1">
+            <a:extLst>
+              <a:ext uri="{FF2B5EF4-FFF2-40B4-BE49-F238E27FC236}">
+                <a16:creationId xmlns:a16="http://schemas.microsoft.com/office/drawing/2014/main" id="{7B367F2E-6FCA-4FAD-84FC-3EB058EC8C80}"/>
+              </a:ext>
+            </a:extLst>
+          </p:cNvPr>
+          <p:cNvSpPr>
+            <a:spLocks noGrp="1"/>
+          </p:cNvSpPr>
+          <p:nvPr>
+            <p:ph type="title"/>
+          </p:nvPr>
+        </p:nvSpPr>
+        <p:spPr/>
+        <p:txBody>
+          <a:bodyPr/>
+          <a:lstStyle/>
+          <a:p>
+            <a:r>
+              <a:rPr lang="de-CH" dirty="0"/>
+              <a:t>Future work</a:t>
+            </a:r>
+          </a:p>
+        </p:txBody>
+      </p:sp>
+      <p:pic>
+        <p:nvPicPr>
+          <p:cNvPr id="4" name="Picture 2" descr="Quellbild anzeigen">
+            <a:extLst>
+              <a:ext uri="{FF2B5EF4-FFF2-40B4-BE49-F238E27FC236}">
+                <a16:creationId xmlns:a16="http://schemas.microsoft.com/office/drawing/2014/main" id="{BF99A9FC-2B0E-49D2-A10B-AFED138E0814}"/>
+              </a:ext>
+            </a:extLst>
+          </p:cNvPr>
+          <p:cNvPicPr>
+            <a:picLocks noChangeAspect="1" noChangeArrowheads="1"/>
+          </p:cNvPicPr>
+          <p:nvPr/>
+        </p:nvPicPr>
+        <p:blipFill>
+          <a:blip r:embed="rId3">
+            <a:extLst>
+              <a:ext uri="{28A0092B-C50C-407E-A947-70E740481C1C}">
+                <a14:useLocalDpi xmlns:a14="http://schemas.microsoft.com/office/drawing/2010/main" val="0"/>
+              </a:ext>
+            </a:extLst>
+          </a:blip>
+          <a:stretch>
+            <a:fillRect/>
+          </a:stretch>
+        </p:blipFill>
+        <p:spPr bwMode="auto">
+          <a:xfrm>
+            <a:off x="8782051" y="-143009"/>
+            <a:ext cx="2963572" cy="1667009"/>
+          </a:xfrm>
+          <a:custGeom>
+            <a:avLst/>
+            <a:gdLst/>
+            <a:ahLst/>
+            <a:cxnLst/>
+            <a:rect l="l" t="t" r="r" b="b"/>
+            <a:pathLst>
+              <a:path w="4141760" h="4377846">
+                <a:moveTo>
+                  <a:pt x="0" y="0"/>
+                </a:moveTo>
+                <a:lnTo>
+                  <a:pt x="4141760" y="0"/>
+                </a:lnTo>
+                <a:lnTo>
+                  <a:pt x="4141760" y="4377846"/>
+                </a:lnTo>
+                <a:lnTo>
+                  <a:pt x="0" y="4377846"/>
+                </a:lnTo>
+                <a:close/>
+              </a:path>
+            </a:pathLst>
+          </a:custGeom>
+          <a:noFill/>
+          <a:extLst>
+            <a:ext uri="{909E8E84-426E-40DD-AFC4-6F175D3DCCD1}">
+              <a14:hiddenFill xmlns:a14="http://schemas.microsoft.com/office/drawing/2010/main">
+                <a:solidFill>
+                  <a:srgbClr val="FFFFFF"/>
+                </a:solidFill>
+              </a14:hiddenFill>
+            </a:ext>
+          </a:extLst>
+        </p:spPr>
+      </p:pic>
+      <p:pic>
+        <p:nvPicPr>
+          <p:cNvPr id="8" name="Grafik 7" descr="Dokument mit einfarbiger Füllung">
+            <a:extLst>
+              <a:ext uri="{FF2B5EF4-FFF2-40B4-BE49-F238E27FC236}">
+                <a16:creationId xmlns:a16="http://schemas.microsoft.com/office/drawing/2014/main" id="{C5B258FC-D320-46BC-B06A-EA8BC0F69953}"/>
+              </a:ext>
+            </a:extLst>
+          </p:cNvPr>
+          <p:cNvPicPr>
+            <a:picLocks noChangeAspect="1"/>
+          </p:cNvPicPr>
+          <p:nvPr/>
+        </p:nvPicPr>
+        <p:blipFill>
+          <a:blip r:embed="rId4">
+            <a:extLst>
+              <a:ext uri="{28A0092B-C50C-407E-A947-70E740481C1C}">
+                <a14:useLocalDpi xmlns:a14="http://schemas.microsoft.com/office/drawing/2010/main" val="0"/>
+              </a:ext>
+              <a:ext uri="{96DAC541-7B7A-43D3-8B79-37D633B846F1}">
+                <asvg:svgBlip xmlns:asvg="http://schemas.microsoft.com/office/drawing/2016/SVG/main" r:embed="rId5"/>
+              </a:ext>
+            </a:extLst>
+          </a:blip>
+          <a:stretch>
+            <a:fillRect/>
+          </a:stretch>
+        </p:blipFill>
+        <p:spPr>
+          <a:xfrm>
+            <a:off x="256964" y="2671354"/>
+            <a:ext cx="1515288" cy="1515288"/>
+          </a:xfrm>
+          <a:prstGeom prst="rect">
+            <a:avLst/>
+          </a:prstGeom>
+        </p:spPr>
+      </p:pic>
+      <p:sp>
+        <p:nvSpPr>
+          <p:cNvPr id="11" name="Pfeil: nach rechts 10">
+            <a:extLst>
+              <a:ext uri="{FF2B5EF4-FFF2-40B4-BE49-F238E27FC236}">
+                <a16:creationId xmlns:a16="http://schemas.microsoft.com/office/drawing/2014/main" id="{DF3DE216-A1F2-4EA8-A980-C9ABF66D66A0}"/>
+              </a:ext>
+            </a:extLst>
+          </p:cNvPr>
+          <p:cNvSpPr/>
+          <p:nvPr/>
+        </p:nvSpPr>
+        <p:spPr>
+          <a:xfrm>
+            <a:off x="1650129" y="3000373"/>
+            <a:ext cx="836439" cy="857246"/>
+          </a:xfrm>
+          <a:prstGeom prst="rightArrow">
+            <a:avLst/>
+          </a:prstGeom>
+          <a:solidFill>
+            <a:srgbClr val="787878"/>
+          </a:solidFill>
+          <a:ln>
+            <a:solidFill>
+              <a:srgbClr val="787878"/>
+            </a:solidFill>
+          </a:ln>
+        </p:spPr>
+        <p:style>
+          <a:lnRef idx="2">
+            <a:schemeClr val="accent1">
+              <a:shade val="50000"/>
+            </a:schemeClr>
+          </a:lnRef>
+          <a:fillRef idx="1">
+            <a:schemeClr val="accent1"/>
+          </a:fillRef>
+          <a:effectRef idx="0">
+            <a:schemeClr val="accent1"/>
+          </a:effectRef>
+          <a:fontRef idx="minor">
+            <a:schemeClr val="lt1"/>
+          </a:fontRef>
+        </p:style>
+        <p:txBody>
+          <a:bodyPr rtlCol="0" anchor="ctr"/>
+          <a:lstStyle/>
+          <a:p>
+            <a:pPr algn="ctr"/>
+            <a:endParaRPr lang="de-CH" dirty="0"/>
+          </a:p>
+        </p:txBody>
+      </p:sp>
+      <p:sp>
+        <p:nvSpPr>
+          <p:cNvPr id="14" name="Rechteck 13">
+            <a:extLst>
+              <a:ext uri="{FF2B5EF4-FFF2-40B4-BE49-F238E27FC236}">
+                <a16:creationId xmlns:a16="http://schemas.microsoft.com/office/drawing/2014/main" id="{2516E6C2-3AB6-4E65-AA52-99AF8FC6111B}"/>
+              </a:ext>
+            </a:extLst>
+          </p:cNvPr>
+          <p:cNvSpPr/>
+          <p:nvPr/>
+        </p:nvSpPr>
+        <p:spPr>
+          <a:xfrm>
+            <a:off x="5298106" y="2766213"/>
+            <a:ext cx="1417562" cy="1325563"/>
+          </a:xfrm>
+          <a:prstGeom prst="rect">
+            <a:avLst/>
+          </a:prstGeom>
+          <a:solidFill>
+            <a:srgbClr val="00A5F2"/>
+          </a:solidFill>
+          <a:ln>
+            <a:solidFill>
+              <a:srgbClr val="00A5F2"/>
+            </a:solidFill>
+          </a:ln>
+        </p:spPr>
+        <p:style>
+          <a:lnRef idx="2">
+            <a:schemeClr val="accent1">
+              <a:shade val="50000"/>
+            </a:schemeClr>
+          </a:lnRef>
+          <a:fillRef idx="1">
+            <a:schemeClr val="accent1"/>
+          </a:fillRef>
+          <a:effectRef idx="0">
+            <a:schemeClr val="accent1"/>
+          </a:effectRef>
+          <a:fontRef idx="minor">
+            <a:schemeClr val="lt1"/>
+          </a:fontRef>
+        </p:style>
+        <p:txBody>
+          <a:bodyPr rtlCol="0" anchor="ctr"/>
+          <a:lstStyle/>
+          <a:p>
+            <a:pPr algn="ctr"/>
+            <a:endParaRPr lang="de-CH" sz="2000" dirty="0"/>
+          </a:p>
+          <a:p>
+            <a:pPr algn="ctr"/>
+            <a:r>
+              <a:rPr lang="de-CH" sz="2000" dirty="0"/>
+              <a:t>NLP Task</a:t>
+            </a:r>
+          </a:p>
+          <a:p>
+            <a:pPr algn="ctr"/>
+            <a:endParaRPr lang="de-CH" sz="2000" dirty="0"/>
+          </a:p>
+        </p:txBody>
+      </p:sp>
+      <p:pic>
+        <p:nvPicPr>
+          <p:cNvPr id="17" name="Grafik 16" descr="Dokument mit einfarbiger Füllung">
+            <a:extLst>
+              <a:ext uri="{FF2B5EF4-FFF2-40B4-BE49-F238E27FC236}">
+                <a16:creationId xmlns:a16="http://schemas.microsoft.com/office/drawing/2014/main" id="{130FC8F8-64C1-410C-82FC-5F8BC52AEBA6}"/>
+              </a:ext>
+            </a:extLst>
+          </p:cNvPr>
+          <p:cNvPicPr>
+            <a:picLocks noChangeAspect="1"/>
+          </p:cNvPicPr>
+          <p:nvPr/>
+        </p:nvPicPr>
+        <p:blipFill>
+          <a:blip r:embed="rId4">
+            <a:extLst>
+              <a:ext uri="{28A0092B-C50C-407E-A947-70E740481C1C}">
+                <a14:useLocalDpi xmlns:a14="http://schemas.microsoft.com/office/drawing/2010/main" val="0"/>
+              </a:ext>
+              <a:ext uri="{96DAC541-7B7A-43D3-8B79-37D633B846F1}">
+                <asvg:svgBlip xmlns:asvg="http://schemas.microsoft.com/office/drawing/2016/SVG/main" r:embed="rId5"/>
+              </a:ext>
+            </a:extLst>
+          </a:blip>
+          <a:stretch>
+            <a:fillRect/>
+          </a:stretch>
+        </p:blipFill>
+        <p:spPr>
+          <a:xfrm>
+            <a:off x="10268436" y="2671357"/>
+            <a:ext cx="1515288" cy="1515288"/>
+          </a:xfrm>
+          <a:prstGeom prst="rect">
+            <a:avLst/>
+          </a:prstGeom>
+        </p:spPr>
+      </p:pic>
+      <p:sp>
+        <p:nvSpPr>
+          <p:cNvPr id="12" name="Rechteck 11">
+            <a:extLst>
+              <a:ext uri="{FF2B5EF4-FFF2-40B4-BE49-F238E27FC236}">
+                <a16:creationId xmlns:a16="http://schemas.microsoft.com/office/drawing/2014/main" id="{D8C5EE6C-A942-40BC-A7F8-C81507EC22F1}"/>
+              </a:ext>
+            </a:extLst>
+          </p:cNvPr>
+          <p:cNvSpPr/>
+          <p:nvPr/>
+        </p:nvSpPr>
+        <p:spPr>
+          <a:xfrm>
+            <a:off x="2595605" y="2766213"/>
+            <a:ext cx="1657316" cy="1325563"/>
+          </a:xfrm>
+          <a:prstGeom prst="rect">
+            <a:avLst/>
+          </a:prstGeom>
+          <a:solidFill>
+            <a:srgbClr val="787878"/>
+          </a:solidFill>
+          <a:ln>
+            <a:solidFill>
+              <a:srgbClr val="787878"/>
+            </a:solidFill>
+          </a:ln>
+        </p:spPr>
+        <p:style>
+          <a:lnRef idx="2">
+            <a:schemeClr val="accent1">
+              <a:shade val="50000"/>
+            </a:schemeClr>
+          </a:lnRef>
+          <a:fillRef idx="1">
+            <a:schemeClr val="accent1"/>
+          </a:fillRef>
+          <a:effectRef idx="0">
+            <a:schemeClr val="accent1"/>
+          </a:effectRef>
+          <a:fontRef idx="minor">
+            <a:schemeClr val="lt1"/>
+          </a:fontRef>
+        </p:style>
+        <p:txBody>
+          <a:bodyPr rtlCol="0" anchor="ctr"/>
+          <a:lstStyle/>
+          <a:p>
+            <a:pPr algn="ctr"/>
+            <a:r>
+              <a:rPr lang="de-CH" sz="2000" dirty="0"/>
+              <a:t>Multilingual Embedding</a:t>
+            </a:r>
+          </a:p>
+        </p:txBody>
+      </p:sp>
+      <p:sp>
+        <p:nvSpPr>
+          <p:cNvPr id="13" name="Pfeil: nach rechts 12">
+            <a:extLst>
+              <a:ext uri="{FF2B5EF4-FFF2-40B4-BE49-F238E27FC236}">
+                <a16:creationId xmlns:a16="http://schemas.microsoft.com/office/drawing/2014/main" id="{C84DACA5-FBA0-445F-8FAD-785880F1A638}"/>
+              </a:ext>
+            </a:extLst>
+          </p:cNvPr>
+          <p:cNvSpPr/>
+          <p:nvPr/>
+        </p:nvSpPr>
+        <p:spPr>
+          <a:xfrm>
+            <a:off x="4357294" y="3000373"/>
+            <a:ext cx="836439" cy="857246"/>
+          </a:xfrm>
+          <a:prstGeom prst="rightArrow">
+            <a:avLst/>
+          </a:prstGeom>
+          <a:solidFill>
+            <a:srgbClr val="787878"/>
+          </a:solidFill>
+          <a:ln>
+            <a:solidFill>
+              <a:srgbClr val="787878"/>
+            </a:solidFill>
+          </a:ln>
+        </p:spPr>
+        <p:style>
+          <a:lnRef idx="2">
+            <a:schemeClr val="accent1">
+              <a:shade val="50000"/>
+            </a:schemeClr>
+          </a:lnRef>
+          <a:fillRef idx="1">
+            <a:schemeClr val="accent1"/>
+          </a:fillRef>
+          <a:effectRef idx="0">
+            <a:schemeClr val="accent1"/>
+          </a:effectRef>
+          <a:fontRef idx="minor">
+            <a:schemeClr val="lt1"/>
+          </a:fontRef>
+        </p:style>
+        <p:txBody>
+          <a:bodyPr rtlCol="0" anchor="ctr"/>
+          <a:lstStyle/>
+          <a:p>
+            <a:pPr algn="ctr"/>
+            <a:endParaRPr lang="de-CH" dirty="0"/>
+          </a:p>
+        </p:txBody>
+      </p:sp>
+      <p:sp>
+        <p:nvSpPr>
+          <p:cNvPr id="19" name="Pfeil: nach rechts 18">
+            <a:extLst>
+              <a:ext uri="{FF2B5EF4-FFF2-40B4-BE49-F238E27FC236}">
+                <a16:creationId xmlns:a16="http://schemas.microsoft.com/office/drawing/2014/main" id="{D2189456-0121-4599-97DC-D3D5582ADF6B}"/>
+              </a:ext>
+            </a:extLst>
+          </p:cNvPr>
+          <p:cNvSpPr/>
+          <p:nvPr/>
+        </p:nvSpPr>
+        <p:spPr>
+          <a:xfrm>
+            <a:off x="6840639" y="3000379"/>
+            <a:ext cx="836439" cy="857246"/>
+          </a:xfrm>
+          <a:prstGeom prst="rightArrow">
+            <a:avLst/>
+          </a:prstGeom>
+          <a:solidFill>
+            <a:srgbClr val="787878"/>
+          </a:solidFill>
+          <a:ln>
+            <a:solidFill>
+              <a:srgbClr val="787878"/>
+            </a:solidFill>
+          </a:ln>
+        </p:spPr>
+        <p:style>
+          <a:lnRef idx="2">
+            <a:schemeClr val="accent1">
+              <a:shade val="50000"/>
+            </a:schemeClr>
+          </a:lnRef>
+          <a:fillRef idx="1">
+            <a:schemeClr val="accent1"/>
+          </a:fillRef>
+          <a:effectRef idx="0">
+            <a:schemeClr val="accent1"/>
+          </a:effectRef>
+          <a:fontRef idx="minor">
+            <a:schemeClr val="lt1"/>
+          </a:fontRef>
+        </p:style>
+        <p:txBody>
+          <a:bodyPr rtlCol="0" anchor="ctr"/>
+          <a:lstStyle/>
+          <a:p>
+            <a:pPr algn="ctr"/>
+            <a:endParaRPr lang="de-CH" dirty="0"/>
+          </a:p>
+        </p:txBody>
+      </p:sp>
+      <p:sp>
+        <p:nvSpPr>
+          <p:cNvPr id="20" name="Rechteck 19">
+            <a:extLst>
+              <a:ext uri="{FF2B5EF4-FFF2-40B4-BE49-F238E27FC236}">
+                <a16:creationId xmlns:a16="http://schemas.microsoft.com/office/drawing/2014/main" id="{78C5F8F4-6435-441B-B19F-652039D49ACC}"/>
+              </a:ext>
+            </a:extLst>
+          </p:cNvPr>
+          <p:cNvSpPr/>
+          <p:nvPr/>
+        </p:nvSpPr>
+        <p:spPr>
+          <a:xfrm>
+            <a:off x="7787767" y="2766218"/>
+            <a:ext cx="1657316" cy="1325563"/>
+          </a:xfrm>
+          <a:prstGeom prst="rect">
+            <a:avLst/>
+          </a:prstGeom>
+          <a:solidFill>
+            <a:srgbClr val="00A5F2"/>
+          </a:solidFill>
+          <a:ln>
+            <a:solidFill>
+              <a:srgbClr val="00A5F2"/>
+            </a:solidFill>
+          </a:ln>
+        </p:spPr>
+        <p:style>
+          <a:lnRef idx="2">
+            <a:schemeClr val="accent1">
+              <a:shade val="50000"/>
+            </a:schemeClr>
+          </a:lnRef>
+          <a:fillRef idx="1">
+            <a:schemeClr val="accent1"/>
+          </a:fillRef>
+          <a:effectRef idx="0">
+            <a:schemeClr val="accent1"/>
+          </a:effectRef>
+          <a:fontRef idx="minor">
+            <a:schemeClr val="lt1"/>
+          </a:fontRef>
+        </p:style>
+        <p:txBody>
+          <a:bodyPr rtlCol="0" anchor="ctr"/>
+          <a:lstStyle/>
+          <a:p>
+            <a:pPr algn="ctr"/>
+            <a:r>
+              <a:rPr lang="de-CH" sz="2000" dirty="0"/>
+              <a:t>Multilingual Embedding</a:t>
+            </a:r>
+          </a:p>
+        </p:txBody>
+      </p:sp>
+      <p:sp>
+        <p:nvSpPr>
+          <p:cNvPr id="21" name="Pfeil: nach rechts 20">
+            <a:extLst>
+              <a:ext uri="{FF2B5EF4-FFF2-40B4-BE49-F238E27FC236}">
+                <a16:creationId xmlns:a16="http://schemas.microsoft.com/office/drawing/2014/main" id="{C2AC6D37-337A-49B0-8DC4-5898E89B858D}"/>
+              </a:ext>
+            </a:extLst>
+          </p:cNvPr>
+          <p:cNvSpPr/>
+          <p:nvPr/>
+        </p:nvSpPr>
+        <p:spPr>
+          <a:xfrm>
+            <a:off x="9555772" y="3000379"/>
+            <a:ext cx="836439" cy="857246"/>
+          </a:xfrm>
+          <a:prstGeom prst="rightArrow">
+            <a:avLst/>
+          </a:prstGeom>
+          <a:solidFill>
+            <a:srgbClr val="787878"/>
+          </a:solidFill>
+          <a:ln>
+            <a:solidFill>
+              <a:srgbClr val="787878"/>
+            </a:solidFill>
+          </a:ln>
+        </p:spPr>
+        <p:style>
+          <a:lnRef idx="2">
+            <a:schemeClr val="accent1">
+              <a:shade val="50000"/>
+            </a:schemeClr>
+          </a:lnRef>
+          <a:fillRef idx="1">
+            <a:schemeClr val="accent1"/>
+          </a:fillRef>
+          <a:effectRef idx="0">
+            <a:schemeClr val="accent1"/>
+          </a:effectRef>
+          <a:fontRef idx="minor">
+            <a:schemeClr val="lt1"/>
+          </a:fontRef>
+        </p:style>
+        <p:txBody>
+          <a:bodyPr rtlCol="0" anchor="ctr"/>
+          <a:lstStyle/>
+          <a:p>
+            <a:pPr algn="ctr"/>
+            <a:endParaRPr lang="de-CH" dirty="0"/>
+          </a:p>
+        </p:txBody>
+      </p:sp>
+      <p:pic>
+        <p:nvPicPr>
+          <p:cNvPr id="22" name="Picture 4" descr="Quellbild anzeigen">
+            <a:extLst>
+              <a:ext uri="{FF2B5EF4-FFF2-40B4-BE49-F238E27FC236}">
+                <a16:creationId xmlns:a16="http://schemas.microsoft.com/office/drawing/2014/main" id="{B0889D11-49BC-4AA7-B962-54885C709C70}"/>
+              </a:ext>
+            </a:extLst>
+          </p:cNvPr>
+          <p:cNvPicPr>
+            <a:picLocks noChangeAspect="1" noChangeArrowheads="1"/>
+          </p:cNvPicPr>
+          <p:nvPr/>
+        </p:nvPicPr>
+        <p:blipFill>
+          <a:blip r:embed="rId6">
+            <a:extLst>
+              <a:ext uri="{28A0092B-C50C-407E-A947-70E740481C1C}">
+                <a14:useLocalDpi xmlns:a14="http://schemas.microsoft.com/office/drawing/2010/main" val="0"/>
+              </a:ext>
+            </a:extLst>
+          </a:blip>
+          <a:srcRect/>
+          <a:stretch>
+            <a:fillRect/>
+          </a:stretch>
+        </p:blipFill>
+        <p:spPr bwMode="auto">
+          <a:xfrm>
+            <a:off x="1071552" y="3857619"/>
+            <a:ext cx="578577" cy="305410"/>
+          </a:xfrm>
+          <a:prstGeom prst="rect">
+            <a:avLst/>
+          </a:prstGeom>
+          <a:noFill/>
+          <a:extLst>
+            <a:ext uri="{909E8E84-426E-40DD-AFC4-6F175D3DCCD1}">
+              <a14:hiddenFill xmlns:a14="http://schemas.microsoft.com/office/drawing/2010/main">
+                <a:solidFill>
+                  <a:srgbClr val="FFFFFF"/>
+                </a:solidFill>
+              </a14:hiddenFill>
+            </a:ext>
+          </a:extLst>
+        </p:spPr>
+      </p:pic>
+      <p:pic>
+        <p:nvPicPr>
+          <p:cNvPr id="23" name="Picture 4" descr="Quellbild anzeigen">
+            <a:extLst>
+              <a:ext uri="{FF2B5EF4-FFF2-40B4-BE49-F238E27FC236}">
+                <a16:creationId xmlns:a16="http://schemas.microsoft.com/office/drawing/2014/main" id="{93D40006-A0EC-4E36-A128-5C08F2FCE3FB}"/>
+              </a:ext>
+            </a:extLst>
+          </p:cNvPr>
+          <p:cNvPicPr>
+            <a:picLocks noChangeAspect="1" noChangeArrowheads="1"/>
+          </p:cNvPicPr>
+          <p:nvPr/>
+        </p:nvPicPr>
+        <p:blipFill>
+          <a:blip r:embed="rId6">
+            <a:extLst>
+              <a:ext uri="{28A0092B-C50C-407E-A947-70E740481C1C}">
+                <a14:useLocalDpi xmlns:a14="http://schemas.microsoft.com/office/drawing/2010/main" val="0"/>
+              </a:ext>
+            </a:extLst>
+          </a:blip>
+          <a:srcRect/>
+          <a:stretch>
+            <a:fillRect/>
+          </a:stretch>
+        </p:blipFill>
+        <p:spPr bwMode="auto">
+          <a:xfrm>
+            <a:off x="11046891" y="3857625"/>
+            <a:ext cx="578577" cy="305410"/>
+          </a:xfrm>
+          <a:prstGeom prst="rect">
+            <a:avLst/>
+          </a:prstGeom>
+          <a:noFill/>
+          <a:extLst>
+            <a:ext uri="{909E8E84-426E-40DD-AFC4-6F175D3DCCD1}">
+              <a14:hiddenFill xmlns:a14="http://schemas.microsoft.com/office/drawing/2010/main">
+                <a:solidFill>
+                  <a:srgbClr val="FFFFFF"/>
+                </a:solidFill>
+              </a14:hiddenFill>
+            </a:ext>
+          </a:extLst>
+        </p:spPr>
+      </p:pic>
+      <p:pic>
+        <p:nvPicPr>
+          <p:cNvPr id="15" name="Picture 2" descr="Quellbild anzeigen">
+            <a:extLst>
+              <a:ext uri="{FF2B5EF4-FFF2-40B4-BE49-F238E27FC236}">
+                <a16:creationId xmlns:a16="http://schemas.microsoft.com/office/drawing/2014/main" id="{14CCFB5D-E36F-48BB-B0F7-CFA50140EA94}"/>
+              </a:ext>
+            </a:extLst>
+          </p:cNvPr>
+          <p:cNvPicPr>
+            <a:picLocks noChangeAspect="1" noChangeArrowheads="1"/>
+          </p:cNvPicPr>
+          <p:nvPr/>
+        </p:nvPicPr>
+        <p:blipFill>
+          <a:blip r:embed="rId7">
+            <a:extLst>
+              <a:ext uri="{28A0092B-C50C-407E-A947-70E740481C1C}">
+                <a14:useLocalDpi xmlns:a14="http://schemas.microsoft.com/office/drawing/2010/main" val="0"/>
+              </a:ext>
+            </a:extLst>
+          </a:blip>
+          <a:srcRect/>
+          <a:stretch>
+            <a:fillRect/>
+          </a:stretch>
+        </p:blipFill>
+        <p:spPr bwMode="auto">
+          <a:xfrm>
+            <a:off x="1314137" y="4186638"/>
+            <a:ext cx="458115" cy="305410"/>
+          </a:xfrm>
+          <a:prstGeom prst="rect">
+            <a:avLst/>
+          </a:prstGeom>
+          <a:noFill/>
+          <a:extLst>
+            <a:ext uri="{909E8E84-426E-40DD-AFC4-6F175D3DCCD1}">
+              <a14:hiddenFill xmlns:a14="http://schemas.microsoft.com/office/drawing/2010/main">
+                <a:solidFill>
+                  <a:srgbClr val="FFFFFF"/>
+                </a:solidFill>
+              </a14:hiddenFill>
+            </a:ext>
+          </a:extLst>
+        </p:spPr>
+      </p:pic>
+      <p:pic>
+        <p:nvPicPr>
+          <p:cNvPr id="16" name="Picture 2" descr="Quellbild anzeigen">
+            <a:extLst>
+              <a:ext uri="{FF2B5EF4-FFF2-40B4-BE49-F238E27FC236}">
+                <a16:creationId xmlns:a16="http://schemas.microsoft.com/office/drawing/2014/main" id="{02AB616F-3D97-43F4-A019-B556B9113076}"/>
+              </a:ext>
+            </a:extLst>
+          </p:cNvPr>
+          <p:cNvPicPr>
+            <a:picLocks noChangeAspect="1" noChangeArrowheads="1"/>
+          </p:cNvPicPr>
+          <p:nvPr/>
+        </p:nvPicPr>
+        <p:blipFill>
+          <a:blip r:embed="rId7">
+            <a:extLst>
+              <a:ext uri="{28A0092B-C50C-407E-A947-70E740481C1C}">
+                <a14:useLocalDpi xmlns:a14="http://schemas.microsoft.com/office/drawing/2010/main" val="0"/>
+              </a:ext>
+            </a:extLst>
+          </a:blip>
+          <a:srcRect/>
+          <a:stretch>
+            <a:fillRect/>
+          </a:stretch>
+        </p:blipFill>
+        <p:spPr bwMode="auto">
+          <a:xfrm>
+            <a:off x="11353800" y="4186638"/>
+            <a:ext cx="458115" cy="305410"/>
+          </a:xfrm>
+          <a:prstGeom prst="rect">
+            <a:avLst/>
+          </a:prstGeom>
+          <a:noFill/>
+          <a:extLst>
+            <a:ext uri="{909E8E84-426E-40DD-AFC4-6F175D3DCCD1}">
+              <a14:hiddenFill xmlns:a14="http://schemas.microsoft.com/office/drawing/2010/main">
+                <a:solidFill>
+                  <a:srgbClr val="FFFFFF"/>
+                </a:solidFill>
+              </a14:hiddenFill>
+            </a:ext>
+          </a:extLst>
+        </p:spPr>
+      </p:pic>
+    </p:spTree>
+    <p:extLst>
+      <p:ext uri="{BB962C8B-B14F-4D97-AF65-F5344CB8AC3E}">
+        <p14:creationId xmlns:p14="http://schemas.microsoft.com/office/powerpoint/2010/main" val="2499128470"/>
+      </p:ext>
+    </p:extLst>
+  </p:cSld>
+  <p:clrMapOvr>
+    <a:masterClrMapping/>
+  </p:clrMapOvr>
+  <mc:AlternateContent xmlns:mc="http://schemas.openxmlformats.org/markup-compatibility/2006" xmlns:p159="http://schemas.microsoft.com/office/powerpoint/2015/09/main">
+    <mc:Choice Requires="p159">
+      <p:transition xmlns:p14="http://schemas.microsoft.com/office/powerpoint/2010/main" spd="slow" p14:dur="2000">
+        <p159:morph option="byObject"/>
+      </p:transition>
+    </mc:Choice>
+    <mc:Fallback xmlns="">
+      <p:transition spd="slow">
+        <p:fade/>
+      </p:transition>
+    </mc:Fallback>
+  </mc:AlternateContent>
+</p:sld>
+</file>
+
+<file path=ppt/slides/slide12.xml><?xml version="1.0" encoding="utf-8"?>
+<p:sld xmlns:a="http://schemas.openxmlformats.org/drawingml/2006/main" xmlns:r="http://schemas.openxmlformats.org/officeDocument/2006/relationships" xmlns:p="http://schemas.openxmlformats.org/presentationml/2006/main">
+  <p:cSld>
+    <p:spTree>
+      <p:nvGrpSpPr>
+        <p:cNvPr id="1" name=""/>
+        <p:cNvGrpSpPr/>
+        <p:nvPr/>
+      </p:nvGrpSpPr>
+      <p:grpSpPr>
+        <a:xfrm>
+          <a:off x="0" y="0"/>
+          <a:ext cx="0" cy="0"/>
+          <a:chOff x="0" y="0"/>
+          <a:chExt cx="0" cy="0"/>
+        </a:xfrm>
+      </p:grpSpPr>
+      <p:sp>
+        <p:nvSpPr>
           <p:cNvPr id="5" name="Flussdiagramm: Manuelle Eingabe 4">
             <a:extLst>
               <a:ext uri="{FF2B5EF4-FFF2-40B4-BE49-F238E27FC236}">
@@ -10174,6 +12440,100 @@
           </p:style>
         </p:cxnSp>
       </p:grpSp>
+      <p:pic>
+        <p:nvPicPr>
+          <p:cNvPr id="18" name="Picture 2" descr="Quellbild anzeigen">
+            <a:extLst>
+              <a:ext uri="{FF2B5EF4-FFF2-40B4-BE49-F238E27FC236}">
+                <a16:creationId xmlns:a16="http://schemas.microsoft.com/office/drawing/2014/main" id="{1D53BB0F-166D-4E40-A219-E6DE0C8D4B69}"/>
+              </a:ext>
+            </a:extLst>
+          </p:cNvPr>
+          <p:cNvPicPr>
+            <a:picLocks noChangeAspect="1" noChangeArrowheads="1"/>
+          </p:cNvPicPr>
+          <p:nvPr/>
+        </p:nvPicPr>
+        <p:blipFill>
+          <a:blip r:embed="rId7">
+            <a:extLst>
+              <a:ext uri="{28A0092B-C50C-407E-A947-70E740481C1C}">
+                <a14:useLocalDpi xmlns:a14="http://schemas.microsoft.com/office/drawing/2010/main" val="0"/>
+              </a:ext>
+            </a:extLst>
+          </a:blip>
+          <a:srcRect/>
+          <a:stretch>
+            <a:fillRect/>
+          </a:stretch>
+        </p:blipFill>
+        <p:spPr bwMode="auto">
+          <a:xfrm>
+            <a:off x="1314137" y="4186638"/>
+            <a:ext cx="458115" cy="305410"/>
+          </a:xfrm>
+          <a:prstGeom prst="rect">
+            <a:avLst/>
+          </a:prstGeom>
+          <a:noFill/>
+          <a:extLst>
+            <a:ext uri="{909E8E84-426E-40DD-AFC4-6F175D3DCCD1}">
+              <a14:hiddenFill xmlns:a14="http://schemas.microsoft.com/office/drawing/2010/main">
+                <a:solidFill>
+                  <a:srgbClr val="FFFFFF"/>
+                </a:solidFill>
+              </a14:hiddenFill>
+            </a:ext>
+          </a:extLst>
+        </p:spPr>
+      </p:pic>
+      <p:pic>
+        <p:nvPicPr>
+          <p:cNvPr id="24" name="Picture 2" descr="Quellbild anzeigen">
+            <a:extLst>
+              <a:ext uri="{FF2B5EF4-FFF2-40B4-BE49-F238E27FC236}">
+                <a16:creationId xmlns:a16="http://schemas.microsoft.com/office/drawing/2014/main" id="{ECE9C8BE-E41D-4902-9C3B-AF7853855F9A}"/>
+              </a:ext>
+            </a:extLst>
+          </p:cNvPr>
+          <p:cNvPicPr>
+            <a:picLocks noChangeAspect="1" noChangeArrowheads="1"/>
+          </p:cNvPicPr>
+          <p:nvPr/>
+        </p:nvPicPr>
+        <p:blipFill>
+          <a:blip r:embed="rId7">
+            <a:extLst>
+              <a:ext uri="{28A0092B-C50C-407E-A947-70E740481C1C}">
+                <a14:useLocalDpi xmlns:a14="http://schemas.microsoft.com/office/drawing/2010/main" val="0"/>
+              </a:ext>
+            </a:extLst>
+          </a:blip>
+          <a:srcRect/>
+          <a:stretch>
+            <a:fillRect/>
+          </a:stretch>
+        </p:blipFill>
+        <p:spPr bwMode="auto">
+          <a:xfrm>
+            <a:off x="11353800" y="4186638"/>
+            <a:ext cx="458115" cy="305410"/>
+          </a:xfrm>
+          <a:prstGeom prst="rect">
+            <a:avLst/>
+          </a:prstGeom>
+          <a:noFill/>
+          <a:extLst>
+            <a:ext uri="{909E8E84-426E-40DD-AFC4-6F175D3DCCD1}">
+              <a14:hiddenFill xmlns:a14="http://schemas.microsoft.com/office/drawing/2010/main">
+                <a:solidFill>
+                  <a:srgbClr val="FFFFFF"/>
+                </a:solidFill>
+              </a14:hiddenFill>
+            </a:ext>
+          </a:extLst>
+        </p:spPr>
+      </p:pic>
     </p:spTree>
     <p:extLst>
       <p:ext uri="{BB962C8B-B14F-4D97-AF65-F5344CB8AC3E}">
@@ -10275,207 +12635,6 @@
 </file>
 
 <file path=ppt/slides/slide6.xml><?xml version="1.0" encoding="utf-8"?>
-<p:sld xmlns:a="http://schemas.openxmlformats.org/drawingml/2006/main" xmlns:r="http://schemas.openxmlformats.org/officeDocument/2006/relationships" xmlns:p="http://schemas.openxmlformats.org/presentationml/2006/main">
-  <p:cSld>
-    <p:spTree>
-      <p:nvGrpSpPr>
-        <p:cNvPr id="1" name=""/>
-        <p:cNvGrpSpPr/>
-        <p:nvPr/>
-      </p:nvGrpSpPr>
-      <p:grpSpPr>
-        <a:xfrm>
-          <a:off x="0" y="0"/>
-          <a:ext cx="0" cy="0"/>
-          <a:chOff x="0" y="0"/>
-          <a:chExt cx="0" cy="0"/>
-        </a:xfrm>
-      </p:grpSpPr>
-      <p:sp>
-        <p:nvSpPr>
-          <p:cNvPr id="2" name="Titel 1">
-            <a:extLst>
-              <a:ext uri="{FF2B5EF4-FFF2-40B4-BE49-F238E27FC236}">
-                <a16:creationId xmlns:a16="http://schemas.microsoft.com/office/drawing/2014/main" id="{7B367F2E-6FCA-4FAD-84FC-3EB058EC8C80}"/>
-              </a:ext>
-            </a:extLst>
-          </p:cNvPr>
-          <p:cNvSpPr>
-            <a:spLocks noGrp="1"/>
-          </p:cNvSpPr>
-          <p:nvPr>
-            <p:ph type="title"/>
-          </p:nvPr>
-        </p:nvSpPr>
-        <p:spPr/>
-        <p:txBody>
-          <a:bodyPr/>
-          <a:lstStyle/>
-          <a:p>
-            <a:r>
-              <a:rPr lang="de-CH" dirty="0"/>
-              <a:t>Universal representation of text</a:t>
-            </a:r>
-          </a:p>
-        </p:txBody>
-      </p:sp>
-      <p:sp>
-        <p:nvSpPr>
-          <p:cNvPr id="3" name="Inhaltsplatzhalter 2">
-            <a:extLst>
-              <a:ext uri="{FF2B5EF4-FFF2-40B4-BE49-F238E27FC236}">
-                <a16:creationId xmlns:a16="http://schemas.microsoft.com/office/drawing/2014/main" id="{D769C658-D50B-4B25-9A50-B631ABE8D3F5}"/>
-              </a:ext>
-            </a:extLst>
-          </p:cNvPr>
-          <p:cNvSpPr>
-            <a:spLocks noGrp="1"/>
-          </p:cNvSpPr>
-          <p:nvPr>
-            <p:ph idx="1"/>
-          </p:nvPr>
-        </p:nvSpPr>
-        <p:spPr/>
-        <p:txBody>
-          <a:bodyPr/>
-          <a:lstStyle/>
-          <a:p>
-            <a:endParaRPr lang="de-CH" dirty="0"/>
-          </a:p>
-          <a:p>
-            <a:pPr lvl="1"/>
-            <a:endParaRPr lang="de-CH" dirty="0"/>
-          </a:p>
-          <a:p>
-            <a:pPr lvl="1"/>
-            <a:endParaRPr lang="de-CH" dirty="0"/>
-          </a:p>
-          <a:p>
-            <a:endParaRPr lang="de-CH" dirty="0"/>
-          </a:p>
-          <a:p>
-            <a:pPr lvl="1"/>
-            <a:endParaRPr lang="de-CH" dirty="0"/>
-          </a:p>
-        </p:txBody>
-      </p:sp>
-      <p:pic>
-        <p:nvPicPr>
-          <p:cNvPr id="4" name="Picture 2" descr="Quellbild anzeigen">
-            <a:extLst>
-              <a:ext uri="{FF2B5EF4-FFF2-40B4-BE49-F238E27FC236}">
-                <a16:creationId xmlns:a16="http://schemas.microsoft.com/office/drawing/2014/main" id="{BF99A9FC-2B0E-49D2-A10B-AFED138E0814}"/>
-              </a:ext>
-            </a:extLst>
-          </p:cNvPr>
-          <p:cNvPicPr>
-            <a:picLocks noChangeAspect="1" noChangeArrowheads="1"/>
-          </p:cNvPicPr>
-          <p:nvPr/>
-        </p:nvPicPr>
-        <p:blipFill>
-          <a:blip r:embed="rId2">
-            <a:extLst>
-              <a:ext uri="{28A0092B-C50C-407E-A947-70E740481C1C}">
-                <a14:useLocalDpi xmlns:a14="http://schemas.microsoft.com/office/drawing/2010/main" val="0"/>
-              </a:ext>
-            </a:extLst>
-          </a:blip>
-          <a:stretch>
-            <a:fillRect/>
-          </a:stretch>
-        </p:blipFill>
-        <p:spPr bwMode="auto">
-          <a:xfrm>
-            <a:off x="8782051" y="-143009"/>
-            <a:ext cx="2963572" cy="1667009"/>
-          </a:xfrm>
-          <a:custGeom>
-            <a:avLst/>
-            <a:gdLst/>
-            <a:ahLst/>
-            <a:cxnLst/>
-            <a:rect l="l" t="t" r="r" b="b"/>
-            <a:pathLst>
-              <a:path w="4141760" h="4377846">
-                <a:moveTo>
-                  <a:pt x="0" y="0"/>
-                </a:moveTo>
-                <a:lnTo>
-                  <a:pt x="4141760" y="0"/>
-                </a:lnTo>
-                <a:lnTo>
-                  <a:pt x="4141760" y="4377846"/>
-                </a:lnTo>
-                <a:lnTo>
-                  <a:pt x="0" y="4377846"/>
-                </a:lnTo>
-                <a:close/>
-              </a:path>
-            </a:pathLst>
-          </a:custGeom>
-          <a:noFill/>
-          <a:extLst>
-            <a:ext uri="{909E8E84-426E-40DD-AFC4-6F175D3DCCD1}">
-              <a14:hiddenFill xmlns:a14="http://schemas.microsoft.com/office/drawing/2010/main">
-                <a:solidFill>
-                  <a:srgbClr val="FFFFFF"/>
-                </a:solidFill>
-              </a14:hiddenFill>
-            </a:ext>
-          </a:extLst>
-        </p:spPr>
-      </p:pic>
-      <p:pic>
-        <p:nvPicPr>
-          <p:cNvPr id="6" name="Grafik 5">
-            <a:extLst>
-              <a:ext uri="{FF2B5EF4-FFF2-40B4-BE49-F238E27FC236}">
-                <a16:creationId xmlns:a16="http://schemas.microsoft.com/office/drawing/2014/main" id="{73B7B423-2E0E-4D4A-84C5-2C695513075B}"/>
-              </a:ext>
-            </a:extLst>
-          </p:cNvPr>
-          <p:cNvPicPr>
-            <a:picLocks noChangeAspect="1"/>
-          </p:cNvPicPr>
-          <p:nvPr/>
-        </p:nvPicPr>
-        <p:blipFill>
-          <a:blip r:embed="rId3">
-            <a:extLst>
-              <a:ext uri="{28A0092B-C50C-407E-A947-70E740481C1C}">
-                <a14:useLocalDpi xmlns:a14="http://schemas.microsoft.com/office/drawing/2010/main" val="0"/>
-              </a:ext>
-            </a:extLst>
-          </a:blip>
-          <a:stretch>
-            <a:fillRect/>
-          </a:stretch>
-        </p:blipFill>
-        <p:spPr>
-          <a:xfrm>
-            <a:off x="2812129" y="1419768"/>
-            <a:ext cx="5747671" cy="5163051"/>
-          </a:xfrm>
-          <a:prstGeom prst="rect">
-            <a:avLst/>
-          </a:prstGeom>
-        </p:spPr>
-      </p:pic>
-    </p:spTree>
-    <p:extLst>
-      <p:ext uri="{BB962C8B-B14F-4D97-AF65-F5344CB8AC3E}">
-        <p14:creationId xmlns:p14="http://schemas.microsoft.com/office/powerpoint/2010/main" val="3966059739"/>
-      </p:ext>
-    </p:extLst>
-  </p:cSld>
-  <p:clrMapOvr>
-    <a:masterClrMapping/>
-  </p:clrMapOvr>
-</p:sld>
-</file>
-
-<file path=ppt/slides/slide7.xml><?xml version="1.0" encoding="utf-8"?>
 <p:sld xmlns:a="http://schemas.openxmlformats.org/drawingml/2006/main" xmlns:r="http://schemas.openxmlformats.org/officeDocument/2006/relationships" xmlns:p="http://schemas.openxmlformats.org/presentationml/2006/main">
   <p:cSld>
     <p:spTree>
@@ -10813,7 +12972,7 @@
 </p:sld>
 </file>
 
-<file path=ppt/slides/slide8.xml><?xml version="1.0" encoding="utf-8"?>
+<file path=ppt/slides/slide7.xml><?xml version="1.0" encoding="utf-8"?>
 <p:sld xmlns:a="http://schemas.openxmlformats.org/drawingml/2006/main" xmlns:r="http://schemas.openxmlformats.org/officeDocument/2006/relationships" xmlns:p="http://schemas.openxmlformats.org/presentationml/2006/main">
   <p:cSld>
     <p:spTree>
@@ -10853,7 +13012,7 @@
           <a:p>
             <a:r>
               <a:rPr lang="de-CH" dirty="0"/>
-              <a:t>Experiments</a:t>
+              <a:t>Universal representation of text</a:t>
             </a:r>
           </a:p>
         </p:txBody>
@@ -10876,114 +13035,10 @@
         </p:nvSpPr>
         <p:spPr/>
         <p:txBody>
-          <a:bodyPr>
-            <a:normAutofit fontScale="85000" lnSpcReduction="10000"/>
-          </a:bodyPr>
+          <a:bodyPr/>
           <a:lstStyle/>
           <a:p>
-            <a:r>
-              <a:rPr lang="de-CH" dirty="0"/>
-              <a:t>Classification Task</a:t>
-            </a:r>
-          </a:p>
-          <a:p>
-            <a:pPr lvl="1"/>
-            <a:r>
-              <a:rPr lang="de-CH" dirty="0"/>
-              <a:t>Sentiment anaylsis on movie data</a:t>
-            </a:r>
-          </a:p>
-          <a:p>
-            <a:pPr lvl="1"/>
-            <a:r>
-              <a:rPr lang="de-CH" dirty="0"/>
-              <a:t>Classify diagnoses to medical specialities</a:t>
-            </a:r>
-          </a:p>
-          <a:p>
-            <a:pPr lvl="1"/>
             <a:endParaRPr lang="de-CH" dirty="0"/>
-          </a:p>
-          <a:p>
-            <a:r>
-              <a:rPr lang="de-CH" dirty="0"/>
-              <a:t>Approach</a:t>
-            </a:r>
-          </a:p>
-          <a:p>
-            <a:pPr lvl="1"/>
-            <a:r>
-              <a:rPr lang="de-CH" dirty="0"/>
-              <a:t>Use multilingual embeddings as input</a:t>
-            </a:r>
-          </a:p>
-          <a:p>
-            <a:pPr lvl="1"/>
-            <a:r>
-              <a:rPr lang="de-CH" dirty="0"/>
-              <a:t>Simple neural network for classification</a:t>
-            </a:r>
-          </a:p>
-          <a:p>
-            <a:pPr lvl="1"/>
-            <a:r>
-              <a:rPr lang="de-CH" dirty="0"/>
-              <a:t>Train on english descriptions</a:t>
-            </a:r>
-          </a:p>
-          <a:p>
-            <a:pPr lvl="1"/>
-            <a:r>
-              <a:rPr lang="de-CH" dirty="0"/>
-              <a:t>Test on german </a:t>
-            </a:r>
-            <a:r>
-              <a:rPr lang="de-CH" dirty="0" err="1"/>
-              <a:t>descriptions</a:t>
-            </a:r>
-            <a:endParaRPr lang="de-CH" dirty="0"/>
-          </a:p>
-          <a:p>
-            <a:pPr marL="457200" lvl="1" indent="0">
-              <a:buNone/>
-            </a:pPr>
-            <a:endParaRPr lang="de-CH" dirty="0"/>
-          </a:p>
-          <a:p>
-            <a:r>
-              <a:rPr lang="de-CH" dirty="0"/>
-              <a:t>Results</a:t>
-            </a:r>
-          </a:p>
-          <a:p>
-            <a:pPr lvl="1"/>
-            <a:r>
-              <a:rPr lang="de-CH" dirty="0"/>
-              <a:t>accuracy on </a:t>
-            </a:r>
-            <a:r>
-              <a:rPr lang="de-CH" dirty="0" err="1"/>
-              <a:t>english</a:t>
-            </a:r>
-            <a:r>
-              <a:rPr lang="de-CH" dirty="0"/>
-              <a:t> movie data: 0.81 (n=1000), german movie data: 0.84 (n=50)</a:t>
-            </a:r>
-          </a:p>
-          <a:p>
-            <a:pPr lvl="1"/>
-            <a:r>
-              <a:rPr lang="de-CH" dirty="0"/>
-              <a:t>AUC on german </a:t>
-            </a:r>
-            <a:r>
-              <a:rPr lang="de-CH" dirty="0" err="1"/>
-              <a:t>english</a:t>
-            </a:r>
-            <a:r>
-              <a:rPr lang="de-CH" dirty="0"/>
-              <a:t> medical data: 0.82 (n=500) , german medical data: 0.82 (n=200)</a:t>
-            </a:r>
           </a:p>
           <a:p>
             <a:pPr lvl="1"/>
@@ -11017,7 +13072,7 @@
           <p:nvPr/>
         </p:nvPicPr>
         <p:blipFill>
-          <a:blip r:embed="rId2">
+          <a:blip r:embed="rId3">
             <a:extLst>
               <a:ext uri="{28A0092B-C50C-407E-A947-70E740481C1C}">
                 <a14:useLocalDpi xmlns:a14="http://schemas.microsoft.com/office/drawing/2010/main" val="0"/>
@@ -11069,10 +13124,787 @@
           </a:extLst>
         </p:spPr>
       </p:pic>
+      <p:pic>
+        <p:nvPicPr>
+          <p:cNvPr id="6" name="Grafik 5">
+            <a:extLst>
+              <a:ext uri="{FF2B5EF4-FFF2-40B4-BE49-F238E27FC236}">
+                <a16:creationId xmlns:a16="http://schemas.microsoft.com/office/drawing/2014/main" id="{73B7B423-2E0E-4D4A-84C5-2C695513075B}"/>
+              </a:ext>
+            </a:extLst>
+          </p:cNvPr>
+          <p:cNvPicPr>
+            <a:picLocks noChangeAspect="1"/>
+          </p:cNvPicPr>
+          <p:nvPr/>
+        </p:nvPicPr>
+        <p:blipFill>
+          <a:blip r:embed="rId4">
+            <a:extLst>
+              <a:ext uri="{28A0092B-C50C-407E-A947-70E740481C1C}">
+                <a14:useLocalDpi xmlns:a14="http://schemas.microsoft.com/office/drawing/2010/main" val="0"/>
+              </a:ext>
+            </a:extLst>
+          </a:blip>
+          <a:stretch>
+            <a:fillRect/>
+          </a:stretch>
+        </p:blipFill>
+        <p:spPr>
+          <a:xfrm>
+            <a:off x="2812129" y="1419768"/>
+            <a:ext cx="5747671" cy="5163051"/>
+          </a:xfrm>
+          <a:prstGeom prst="rect">
+            <a:avLst/>
+          </a:prstGeom>
+        </p:spPr>
+      </p:pic>
+      <p:cxnSp>
+        <p:nvCxnSpPr>
+          <p:cNvPr id="8" name="Gerader Verbinder 7">
+            <a:extLst>
+              <a:ext uri="{FF2B5EF4-FFF2-40B4-BE49-F238E27FC236}">
+                <a16:creationId xmlns:a16="http://schemas.microsoft.com/office/drawing/2014/main" id="{98C40884-9EC3-4CA6-85D1-2B28D4159428}"/>
+              </a:ext>
+            </a:extLst>
+          </p:cNvPr>
+          <p:cNvCxnSpPr>
+            <a:cxnSpLocks/>
+            <a:endCxn id="9" idx="1"/>
+          </p:cNvCxnSpPr>
+          <p:nvPr/>
+        </p:nvCxnSpPr>
+        <p:spPr>
+          <a:xfrm flipV="1">
+            <a:off x="6878472" y="3304600"/>
+            <a:ext cx="1619295" cy="2427460"/>
+          </a:xfrm>
+          <a:prstGeom prst="line">
+            <a:avLst/>
+          </a:prstGeom>
+          <a:ln>
+            <a:solidFill>
+              <a:srgbClr val="787878"/>
+            </a:solidFill>
+          </a:ln>
+        </p:spPr>
+        <p:style>
+          <a:lnRef idx="1">
+            <a:schemeClr val="accent1"/>
+          </a:lnRef>
+          <a:fillRef idx="0">
+            <a:schemeClr val="accent1"/>
+          </a:fillRef>
+          <a:effectRef idx="0">
+            <a:schemeClr val="accent1"/>
+          </a:effectRef>
+          <a:fontRef idx="minor">
+            <a:schemeClr val="tx1"/>
+          </a:fontRef>
+        </p:style>
+      </p:cxnSp>
+      <p:sp>
+        <p:nvSpPr>
+          <p:cNvPr id="9" name="Rechteck 8">
+            <a:extLst>
+              <a:ext uri="{FF2B5EF4-FFF2-40B4-BE49-F238E27FC236}">
+                <a16:creationId xmlns:a16="http://schemas.microsoft.com/office/drawing/2014/main" id="{4864998E-B330-4601-B8F4-6906EA9B236B}"/>
+              </a:ext>
+            </a:extLst>
+          </p:cNvPr>
+          <p:cNvSpPr/>
+          <p:nvPr/>
+        </p:nvSpPr>
+        <p:spPr>
+          <a:xfrm>
+            <a:off x="8497767" y="2806743"/>
+            <a:ext cx="3341048" cy="995713"/>
+          </a:xfrm>
+          <a:prstGeom prst="rect">
+            <a:avLst/>
+          </a:prstGeom>
+          <a:solidFill>
+            <a:schemeClr val="bg1"/>
+          </a:solidFill>
+          <a:ln>
+            <a:solidFill>
+              <a:srgbClr val="787878"/>
+            </a:solidFill>
+          </a:ln>
+        </p:spPr>
+        <p:style>
+          <a:lnRef idx="2">
+            <a:schemeClr val="accent1">
+              <a:shade val="50000"/>
+            </a:schemeClr>
+          </a:lnRef>
+          <a:fillRef idx="1">
+            <a:schemeClr val="accent1"/>
+          </a:fillRef>
+          <a:effectRef idx="0">
+            <a:schemeClr val="accent1"/>
+          </a:effectRef>
+          <a:fontRef idx="minor">
+            <a:schemeClr val="lt1"/>
+          </a:fontRef>
+        </p:style>
+        <p:txBody>
+          <a:bodyPr rtlCol="0" anchor="ctr"/>
+          <a:lstStyle/>
+          <a:p>
+            <a:r>
+              <a:rPr lang="de-CH" dirty="0">
+                <a:solidFill>
+                  <a:schemeClr val="tx1"/>
+                </a:solidFill>
+              </a:rPr>
+              <a:t>Helping patients and caregivers  to understand medical information.</a:t>
+            </a:r>
+          </a:p>
+        </p:txBody>
+      </p:sp>
+      <p:sp>
+        <p:nvSpPr>
+          <p:cNvPr id="12" name="Rechteck 11">
+            <a:extLst>
+              <a:ext uri="{FF2B5EF4-FFF2-40B4-BE49-F238E27FC236}">
+                <a16:creationId xmlns:a16="http://schemas.microsoft.com/office/drawing/2014/main" id="{F93794B5-42A3-4C1A-9628-58DD0570D9D9}"/>
+              </a:ext>
+            </a:extLst>
+          </p:cNvPr>
+          <p:cNvSpPr/>
+          <p:nvPr/>
+        </p:nvSpPr>
+        <p:spPr>
+          <a:xfrm>
+            <a:off x="8497767" y="3937393"/>
+            <a:ext cx="3341048" cy="995713"/>
+          </a:xfrm>
+          <a:prstGeom prst="rect">
+            <a:avLst/>
+          </a:prstGeom>
+          <a:solidFill>
+            <a:schemeClr val="bg1"/>
+          </a:solidFill>
+          <a:ln>
+            <a:solidFill>
+              <a:srgbClr val="787878"/>
+            </a:solidFill>
+          </a:ln>
+        </p:spPr>
+        <p:style>
+          <a:lnRef idx="2">
+            <a:schemeClr val="accent1">
+              <a:shade val="50000"/>
+            </a:schemeClr>
+          </a:lnRef>
+          <a:fillRef idx="1">
+            <a:schemeClr val="accent1"/>
+          </a:fillRef>
+          <a:effectRef idx="0">
+            <a:schemeClr val="accent1"/>
+          </a:effectRef>
+          <a:fontRef idx="minor">
+            <a:schemeClr val="lt1"/>
+          </a:fontRef>
+        </p:style>
+        <p:txBody>
+          <a:bodyPr rtlCol="0" anchor="ctr"/>
+          <a:lstStyle/>
+          <a:p>
+            <a:r>
+              <a:rPr lang="de-DE" dirty="0">
+                <a:solidFill>
+                  <a:schemeClr val="tx1"/>
+                </a:solidFill>
+              </a:rPr>
+              <a:t>Unterstützung von Patienten und Pflegepersonal beim Verständnis medizinischer Informationen.</a:t>
+            </a:r>
+            <a:endParaRPr lang="de-CH" dirty="0">
+              <a:solidFill>
+                <a:schemeClr val="tx1"/>
+              </a:solidFill>
+            </a:endParaRPr>
+          </a:p>
+        </p:txBody>
+      </p:sp>
+      <p:cxnSp>
+        <p:nvCxnSpPr>
+          <p:cNvPr id="14" name="Gerader Verbinder 13">
+            <a:extLst>
+              <a:ext uri="{FF2B5EF4-FFF2-40B4-BE49-F238E27FC236}">
+                <a16:creationId xmlns:a16="http://schemas.microsoft.com/office/drawing/2014/main" id="{B686DB24-29D2-4750-955F-ABD6543012EB}"/>
+              </a:ext>
+            </a:extLst>
+          </p:cNvPr>
+          <p:cNvCxnSpPr>
+            <a:cxnSpLocks/>
+            <a:endCxn id="12" idx="1"/>
+          </p:cNvCxnSpPr>
+          <p:nvPr/>
+        </p:nvCxnSpPr>
+        <p:spPr>
+          <a:xfrm flipV="1">
+            <a:off x="6878472" y="4435250"/>
+            <a:ext cx="1619295" cy="1589620"/>
+          </a:xfrm>
+          <a:prstGeom prst="line">
+            <a:avLst/>
+          </a:prstGeom>
+          <a:ln>
+            <a:solidFill>
+              <a:srgbClr val="787878"/>
+            </a:solidFill>
+          </a:ln>
+        </p:spPr>
+        <p:style>
+          <a:lnRef idx="1">
+            <a:schemeClr val="accent1"/>
+          </a:lnRef>
+          <a:fillRef idx="0">
+            <a:schemeClr val="accent1"/>
+          </a:fillRef>
+          <a:effectRef idx="0">
+            <a:schemeClr val="accent1"/>
+          </a:effectRef>
+          <a:fontRef idx="minor">
+            <a:schemeClr val="tx1"/>
+          </a:fontRef>
+        </p:style>
+      </p:cxnSp>
+      <p:sp>
+        <p:nvSpPr>
+          <p:cNvPr id="16" name="Rechteck 15">
+            <a:extLst>
+              <a:ext uri="{FF2B5EF4-FFF2-40B4-BE49-F238E27FC236}">
+                <a16:creationId xmlns:a16="http://schemas.microsoft.com/office/drawing/2014/main" id="{8D9E8A98-28CD-4FBB-B5D7-3F2019FF94D3}"/>
+              </a:ext>
+            </a:extLst>
+          </p:cNvPr>
+          <p:cNvSpPr/>
+          <p:nvPr/>
+        </p:nvSpPr>
+        <p:spPr>
+          <a:xfrm>
+            <a:off x="8497767" y="5085199"/>
+            <a:ext cx="3341048" cy="1226701"/>
+          </a:xfrm>
+          <a:prstGeom prst="rect">
+            <a:avLst/>
+          </a:prstGeom>
+          <a:solidFill>
+            <a:schemeClr val="bg1"/>
+          </a:solidFill>
+          <a:ln>
+            <a:solidFill>
+              <a:srgbClr val="787878"/>
+            </a:solidFill>
+          </a:ln>
+        </p:spPr>
+        <p:style>
+          <a:lnRef idx="2">
+            <a:schemeClr val="accent1">
+              <a:shade val="50000"/>
+            </a:schemeClr>
+          </a:lnRef>
+          <a:fillRef idx="1">
+            <a:schemeClr val="accent1"/>
+          </a:fillRef>
+          <a:effectRef idx="0">
+            <a:schemeClr val="accent1"/>
+          </a:effectRef>
+          <a:fontRef idx="minor">
+            <a:schemeClr val="lt1"/>
+          </a:fontRef>
+        </p:style>
+        <p:txBody>
+          <a:bodyPr rtlCol="0" anchor="ctr"/>
+          <a:lstStyle/>
+          <a:p>
+            <a:r>
+              <a:rPr lang="ru-RU" dirty="0">
+                <a:solidFill>
+                  <a:schemeClr val="tx1"/>
+                </a:solidFill>
+              </a:rPr>
+              <a:t>Помощь пациентам и ухаживающим за ними лицам в понимании медицинской информации</a:t>
+            </a:r>
+            <a:endParaRPr lang="de-CH" dirty="0">
+              <a:solidFill>
+                <a:schemeClr val="tx1"/>
+              </a:solidFill>
+            </a:endParaRPr>
+          </a:p>
+        </p:txBody>
+      </p:sp>
+      <p:cxnSp>
+        <p:nvCxnSpPr>
+          <p:cNvPr id="17" name="Gerader Verbinder 16">
+            <a:extLst>
+              <a:ext uri="{FF2B5EF4-FFF2-40B4-BE49-F238E27FC236}">
+                <a16:creationId xmlns:a16="http://schemas.microsoft.com/office/drawing/2014/main" id="{AF3546EA-A703-43C2-A470-42A78733145D}"/>
+              </a:ext>
+            </a:extLst>
+          </p:cNvPr>
+          <p:cNvCxnSpPr>
+            <a:cxnSpLocks/>
+            <a:endCxn id="16" idx="1"/>
+          </p:cNvCxnSpPr>
+          <p:nvPr/>
+        </p:nvCxnSpPr>
+        <p:spPr>
+          <a:xfrm flipV="1">
+            <a:off x="6878472" y="5698550"/>
+            <a:ext cx="1619295" cy="499480"/>
+          </a:xfrm>
+          <a:prstGeom prst="line">
+            <a:avLst/>
+          </a:prstGeom>
+          <a:ln>
+            <a:solidFill>
+              <a:srgbClr val="787878"/>
+            </a:solidFill>
+          </a:ln>
+        </p:spPr>
+        <p:style>
+          <a:lnRef idx="1">
+            <a:schemeClr val="accent1"/>
+          </a:lnRef>
+          <a:fillRef idx="0">
+            <a:schemeClr val="accent1"/>
+          </a:fillRef>
+          <a:effectRef idx="0">
+            <a:schemeClr val="accent1"/>
+          </a:effectRef>
+          <a:fontRef idx="minor">
+            <a:schemeClr val="tx1"/>
+          </a:fontRef>
+        </p:style>
+      </p:cxnSp>
     </p:spTree>
     <p:extLst>
       <p:ext uri="{BB962C8B-B14F-4D97-AF65-F5344CB8AC3E}">
-        <p14:creationId xmlns:p14="http://schemas.microsoft.com/office/powerpoint/2010/main" val="45209978"/>
+        <p14:creationId xmlns:p14="http://schemas.microsoft.com/office/powerpoint/2010/main" val="496847102"/>
+      </p:ext>
+    </p:extLst>
+  </p:cSld>
+  <p:clrMapOvr>
+    <a:masterClrMapping/>
+  </p:clrMapOvr>
+</p:sld>
+</file>
+
+<file path=ppt/slides/slide8.xml><?xml version="1.0" encoding="utf-8"?>
+<p:sld xmlns:a="http://schemas.openxmlformats.org/drawingml/2006/main" xmlns:r="http://schemas.openxmlformats.org/officeDocument/2006/relationships" xmlns:p="http://schemas.openxmlformats.org/presentationml/2006/main">
+  <p:cSld>
+    <p:spTree>
+      <p:nvGrpSpPr>
+        <p:cNvPr id="1" name=""/>
+        <p:cNvGrpSpPr/>
+        <p:nvPr/>
+      </p:nvGrpSpPr>
+      <p:grpSpPr>
+        <a:xfrm>
+          <a:off x="0" y="0"/>
+          <a:ext cx="0" cy="0"/>
+          <a:chOff x="0" y="0"/>
+          <a:chExt cx="0" cy="0"/>
+        </a:xfrm>
+      </p:grpSpPr>
+      <p:sp>
+        <p:nvSpPr>
+          <p:cNvPr id="2" name="Titel 1">
+            <a:extLst>
+              <a:ext uri="{FF2B5EF4-FFF2-40B4-BE49-F238E27FC236}">
+                <a16:creationId xmlns:a16="http://schemas.microsoft.com/office/drawing/2014/main" id="{7B367F2E-6FCA-4FAD-84FC-3EB058EC8C80}"/>
+              </a:ext>
+            </a:extLst>
+          </p:cNvPr>
+          <p:cNvSpPr>
+            <a:spLocks noGrp="1"/>
+          </p:cNvSpPr>
+          <p:nvPr>
+            <p:ph type="title"/>
+          </p:nvPr>
+        </p:nvSpPr>
+        <p:spPr/>
+        <p:txBody>
+          <a:bodyPr/>
+          <a:lstStyle/>
+          <a:p>
+            <a:r>
+              <a:rPr lang="de-CH" dirty="0"/>
+              <a:t>Universal representation of text</a:t>
+            </a:r>
+          </a:p>
+        </p:txBody>
+      </p:sp>
+      <p:sp>
+        <p:nvSpPr>
+          <p:cNvPr id="3" name="Inhaltsplatzhalter 2">
+            <a:extLst>
+              <a:ext uri="{FF2B5EF4-FFF2-40B4-BE49-F238E27FC236}">
+                <a16:creationId xmlns:a16="http://schemas.microsoft.com/office/drawing/2014/main" id="{D769C658-D50B-4B25-9A50-B631ABE8D3F5}"/>
+              </a:ext>
+            </a:extLst>
+          </p:cNvPr>
+          <p:cNvSpPr>
+            <a:spLocks noGrp="1"/>
+          </p:cNvSpPr>
+          <p:nvPr>
+            <p:ph idx="1"/>
+          </p:nvPr>
+        </p:nvSpPr>
+        <p:spPr/>
+        <p:txBody>
+          <a:bodyPr/>
+          <a:lstStyle/>
+          <a:p>
+            <a:endParaRPr lang="de-CH" dirty="0"/>
+          </a:p>
+          <a:p>
+            <a:pPr lvl="1"/>
+            <a:endParaRPr lang="de-CH" dirty="0"/>
+          </a:p>
+          <a:p>
+            <a:pPr lvl="1"/>
+            <a:endParaRPr lang="de-CH" dirty="0"/>
+          </a:p>
+          <a:p>
+            <a:endParaRPr lang="de-CH" dirty="0"/>
+          </a:p>
+          <a:p>
+            <a:pPr lvl="1"/>
+            <a:endParaRPr lang="de-CH" dirty="0"/>
+          </a:p>
+        </p:txBody>
+      </p:sp>
+      <p:pic>
+        <p:nvPicPr>
+          <p:cNvPr id="4" name="Picture 2" descr="Quellbild anzeigen">
+            <a:extLst>
+              <a:ext uri="{FF2B5EF4-FFF2-40B4-BE49-F238E27FC236}">
+                <a16:creationId xmlns:a16="http://schemas.microsoft.com/office/drawing/2014/main" id="{BF99A9FC-2B0E-49D2-A10B-AFED138E0814}"/>
+              </a:ext>
+            </a:extLst>
+          </p:cNvPr>
+          <p:cNvPicPr>
+            <a:picLocks noChangeAspect="1" noChangeArrowheads="1"/>
+          </p:cNvPicPr>
+          <p:nvPr/>
+        </p:nvPicPr>
+        <p:blipFill>
+          <a:blip r:embed="rId3">
+            <a:extLst>
+              <a:ext uri="{28A0092B-C50C-407E-A947-70E740481C1C}">
+                <a14:useLocalDpi xmlns:a14="http://schemas.microsoft.com/office/drawing/2010/main" val="0"/>
+              </a:ext>
+            </a:extLst>
+          </a:blip>
+          <a:stretch>
+            <a:fillRect/>
+          </a:stretch>
+        </p:blipFill>
+        <p:spPr bwMode="auto">
+          <a:xfrm>
+            <a:off x="8782051" y="-143009"/>
+            <a:ext cx="2963572" cy="1667009"/>
+          </a:xfrm>
+          <a:custGeom>
+            <a:avLst/>
+            <a:gdLst/>
+            <a:ahLst/>
+            <a:cxnLst/>
+            <a:rect l="l" t="t" r="r" b="b"/>
+            <a:pathLst>
+              <a:path w="4141760" h="4377846">
+                <a:moveTo>
+                  <a:pt x="0" y="0"/>
+                </a:moveTo>
+                <a:lnTo>
+                  <a:pt x="4141760" y="0"/>
+                </a:lnTo>
+                <a:lnTo>
+                  <a:pt x="4141760" y="4377846"/>
+                </a:lnTo>
+                <a:lnTo>
+                  <a:pt x="0" y="4377846"/>
+                </a:lnTo>
+                <a:close/>
+              </a:path>
+            </a:pathLst>
+          </a:custGeom>
+          <a:noFill/>
+          <a:extLst>
+            <a:ext uri="{909E8E84-426E-40DD-AFC4-6F175D3DCCD1}">
+              <a14:hiddenFill xmlns:a14="http://schemas.microsoft.com/office/drawing/2010/main">
+                <a:solidFill>
+                  <a:srgbClr val="FFFFFF"/>
+                </a:solidFill>
+              </a14:hiddenFill>
+            </a:ext>
+          </a:extLst>
+        </p:spPr>
+      </p:pic>
+      <p:pic>
+        <p:nvPicPr>
+          <p:cNvPr id="6" name="Grafik 5">
+            <a:extLst>
+              <a:ext uri="{FF2B5EF4-FFF2-40B4-BE49-F238E27FC236}">
+                <a16:creationId xmlns:a16="http://schemas.microsoft.com/office/drawing/2014/main" id="{73B7B423-2E0E-4D4A-84C5-2C695513075B}"/>
+              </a:ext>
+            </a:extLst>
+          </p:cNvPr>
+          <p:cNvPicPr>
+            <a:picLocks noChangeAspect="1"/>
+          </p:cNvPicPr>
+          <p:nvPr/>
+        </p:nvPicPr>
+        <p:blipFill>
+          <a:blip r:embed="rId4">
+            <a:extLst>
+              <a:ext uri="{28A0092B-C50C-407E-A947-70E740481C1C}">
+                <a14:useLocalDpi xmlns:a14="http://schemas.microsoft.com/office/drawing/2010/main" val="0"/>
+              </a:ext>
+            </a:extLst>
+          </a:blip>
+          <a:stretch>
+            <a:fillRect/>
+          </a:stretch>
+        </p:blipFill>
+        <p:spPr>
+          <a:xfrm>
+            <a:off x="2812129" y="1419768"/>
+            <a:ext cx="5747671" cy="5163051"/>
+          </a:xfrm>
+          <a:prstGeom prst="rect">
+            <a:avLst/>
+          </a:prstGeom>
+        </p:spPr>
+      </p:pic>
+      <p:cxnSp>
+        <p:nvCxnSpPr>
+          <p:cNvPr id="8" name="Gerader Verbinder 7">
+            <a:extLst>
+              <a:ext uri="{FF2B5EF4-FFF2-40B4-BE49-F238E27FC236}">
+                <a16:creationId xmlns:a16="http://schemas.microsoft.com/office/drawing/2014/main" id="{98C40884-9EC3-4CA6-85D1-2B28D4159428}"/>
+              </a:ext>
+            </a:extLst>
+          </p:cNvPr>
+          <p:cNvCxnSpPr>
+            <a:cxnSpLocks/>
+            <a:endCxn id="9" idx="1"/>
+          </p:cNvCxnSpPr>
+          <p:nvPr/>
+        </p:nvCxnSpPr>
+        <p:spPr>
+          <a:xfrm>
+            <a:off x="8120418" y="2137352"/>
+            <a:ext cx="377349" cy="473761"/>
+          </a:xfrm>
+          <a:prstGeom prst="line">
+            <a:avLst/>
+          </a:prstGeom>
+          <a:ln>
+            <a:solidFill>
+              <a:srgbClr val="787878"/>
+            </a:solidFill>
+          </a:ln>
+        </p:spPr>
+        <p:style>
+          <a:lnRef idx="1">
+            <a:schemeClr val="accent1"/>
+          </a:lnRef>
+          <a:fillRef idx="0">
+            <a:schemeClr val="accent1"/>
+          </a:fillRef>
+          <a:effectRef idx="0">
+            <a:schemeClr val="accent1"/>
+          </a:effectRef>
+          <a:fontRef idx="minor">
+            <a:schemeClr val="tx1"/>
+          </a:fontRef>
+        </p:style>
+      </p:cxnSp>
+      <p:sp>
+        <p:nvSpPr>
+          <p:cNvPr id="9" name="Rechteck 8">
+            <a:extLst>
+              <a:ext uri="{FF2B5EF4-FFF2-40B4-BE49-F238E27FC236}">
+                <a16:creationId xmlns:a16="http://schemas.microsoft.com/office/drawing/2014/main" id="{4864998E-B330-4601-B8F4-6906EA9B236B}"/>
+              </a:ext>
+            </a:extLst>
+          </p:cNvPr>
+          <p:cNvSpPr/>
+          <p:nvPr/>
+        </p:nvSpPr>
+        <p:spPr>
+          <a:xfrm>
+            <a:off x="8497767" y="1419768"/>
+            <a:ext cx="3341048" cy="2382689"/>
+          </a:xfrm>
+          <a:prstGeom prst="rect">
+            <a:avLst/>
+          </a:prstGeom>
+          <a:solidFill>
+            <a:schemeClr val="bg1"/>
+          </a:solidFill>
+          <a:ln>
+            <a:solidFill>
+              <a:srgbClr val="787878"/>
+            </a:solidFill>
+          </a:ln>
+        </p:spPr>
+        <p:style>
+          <a:lnRef idx="2">
+            <a:schemeClr val="accent1">
+              <a:shade val="50000"/>
+            </a:schemeClr>
+          </a:lnRef>
+          <a:fillRef idx="1">
+            <a:schemeClr val="accent1"/>
+          </a:fillRef>
+          <a:effectRef idx="0">
+            <a:schemeClr val="accent1"/>
+          </a:effectRef>
+          <a:fontRef idx="minor">
+            <a:schemeClr val="lt1"/>
+          </a:fontRef>
+        </p:style>
+        <p:txBody>
+          <a:bodyPr rtlCol="0" anchor="ctr"/>
+          <a:lstStyle/>
+          <a:p>
+            <a:r>
+              <a:rPr lang="ru-RU" dirty="0">
+                <a:solidFill>
+                  <a:schemeClr val="tx1"/>
+                </a:solidFill>
+              </a:rPr>
+              <a:t>Магний - незаменимый минерал, обладающий мышечно-расслабляющими, слабительными и антиаритмическими свойствами, эффективен как кофактор многочисленных ферментов. </a:t>
+            </a:r>
+            <a:endParaRPr lang="de-CH" dirty="0">
+              <a:solidFill>
+                <a:schemeClr val="tx1"/>
+              </a:solidFill>
+            </a:endParaRPr>
+          </a:p>
+        </p:txBody>
+      </p:sp>
+      <p:cxnSp>
+        <p:nvCxnSpPr>
+          <p:cNvPr id="25" name="Gerader Verbinder 24">
+            <a:extLst>
+              <a:ext uri="{FF2B5EF4-FFF2-40B4-BE49-F238E27FC236}">
+                <a16:creationId xmlns:a16="http://schemas.microsoft.com/office/drawing/2014/main" id="{A0329694-D8BB-4B06-B943-032CB804FF7E}"/>
+              </a:ext>
+            </a:extLst>
+          </p:cNvPr>
+          <p:cNvCxnSpPr>
+            <a:cxnSpLocks/>
+            <a:endCxn id="26" idx="1"/>
+          </p:cNvCxnSpPr>
+          <p:nvPr/>
+        </p:nvCxnSpPr>
+        <p:spPr>
+          <a:xfrm>
+            <a:off x="7873242" y="2106756"/>
+            <a:ext cx="624525" cy="2678922"/>
+          </a:xfrm>
+          <a:prstGeom prst="line">
+            <a:avLst/>
+          </a:prstGeom>
+          <a:ln>
+            <a:solidFill>
+              <a:srgbClr val="787878"/>
+            </a:solidFill>
+          </a:ln>
+        </p:spPr>
+        <p:style>
+          <a:lnRef idx="1">
+            <a:schemeClr val="accent1"/>
+          </a:lnRef>
+          <a:fillRef idx="0">
+            <a:schemeClr val="accent1"/>
+          </a:fillRef>
+          <a:effectRef idx="0">
+            <a:schemeClr val="accent1"/>
+          </a:effectRef>
+          <a:fontRef idx="minor">
+            <a:schemeClr val="tx1"/>
+          </a:fontRef>
+        </p:style>
+      </p:cxnSp>
+      <p:sp>
+        <p:nvSpPr>
+          <p:cNvPr id="26" name="Rechteck 25">
+            <a:extLst>
+              <a:ext uri="{FF2B5EF4-FFF2-40B4-BE49-F238E27FC236}">
+                <a16:creationId xmlns:a16="http://schemas.microsoft.com/office/drawing/2014/main" id="{1E0D6E5B-08DC-4309-8761-D536599584DA}"/>
+              </a:ext>
+            </a:extLst>
+          </p:cNvPr>
+          <p:cNvSpPr/>
+          <p:nvPr/>
+        </p:nvSpPr>
+        <p:spPr>
+          <a:xfrm>
+            <a:off x="8497767" y="4029172"/>
+            <a:ext cx="3341048" cy="1513012"/>
+          </a:xfrm>
+          <a:prstGeom prst="rect">
+            <a:avLst/>
+          </a:prstGeom>
+          <a:solidFill>
+            <a:schemeClr val="bg1"/>
+          </a:solidFill>
+          <a:ln>
+            <a:solidFill>
+              <a:srgbClr val="787878"/>
+            </a:solidFill>
+          </a:ln>
+        </p:spPr>
+        <p:style>
+          <a:lnRef idx="2">
+            <a:schemeClr val="accent1">
+              <a:shade val="50000"/>
+            </a:schemeClr>
+          </a:lnRef>
+          <a:fillRef idx="1">
+            <a:schemeClr val="accent1"/>
+          </a:fillRef>
+          <a:effectRef idx="0">
+            <a:schemeClr val="accent1"/>
+          </a:effectRef>
+          <a:fontRef idx="minor">
+            <a:schemeClr val="lt1"/>
+          </a:fontRef>
+        </p:style>
+        <p:txBody>
+          <a:bodyPr rtlCol="0" anchor="ctr"/>
+          <a:lstStyle/>
+          <a:p>
+            <a:r>
+              <a:rPr lang="en-US" dirty="0">
+                <a:solidFill>
+                  <a:schemeClr val="tx1"/>
+                </a:solidFill>
+              </a:rPr>
+              <a:t>Magnesium is an essential mineral with muscle-relaxing, laxative and anti-arrhythmic properties, which is effective as a cofactor of numerous enzymes. </a:t>
+            </a:r>
+            <a:endParaRPr lang="de-CH" dirty="0">
+              <a:solidFill>
+                <a:schemeClr val="tx1"/>
+              </a:solidFill>
+            </a:endParaRPr>
+          </a:p>
+        </p:txBody>
+      </p:sp>
+    </p:spTree>
+    <p:extLst>
+      <p:ext uri="{BB962C8B-B14F-4D97-AF65-F5344CB8AC3E}">
+        <p14:creationId xmlns:p14="http://schemas.microsoft.com/office/powerpoint/2010/main" val="3966059739"/>
       </p:ext>
     </p:extLst>
   </p:cSld>
@@ -11122,7 +13954,7 @@
           <a:p>
             <a:r>
               <a:rPr lang="de-CH" dirty="0"/>
-              <a:t>Future work</a:t>
+              <a:t>Our approach</a:t>
             </a:r>
           </a:p>
         </p:txBody>
@@ -11142,7 +13974,7 @@
           <p:nvPr/>
         </p:nvPicPr>
         <p:blipFill>
-          <a:blip r:embed="rId2">
+          <a:blip r:embed="rId3">
             <a:extLst>
               <a:ext uri="{28A0092B-C50C-407E-A947-70E740481C1C}">
                 <a14:useLocalDpi xmlns:a14="http://schemas.microsoft.com/office/drawing/2010/main" val="0"/>
@@ -11209,13 +14041,13 @@
           <p:nvPr/>
         </p:nvPicPr>
         <p:blipFill>
-          <a:blip r:embed="rId3">
+          <a:blip r:embed="rId4">
             <a:extLst>
               <a:ext uri="{28A0092B-C50C-407E-A947-70E740481C1C}">
                 <a14:useLocalDpi xmlns:a14="http://schemas.microsoft.com/office/drawing/2010/main" val="0"/>
               </a:ext>
               <a:ext uri="{96DAC541-7B7A-43D3-8B79-37D633B846F1}">
-                <asvg:svgBlip xmlns:asvg="http://schemas.microsoft.com/office/drawing/2016/SVG/main" r:embed="rId4"/>
+                <asvg:svgBlip xmlns:asvg="http://schemas.microsoft.com/office/drawing/2016/SVG/main" r:embed="rId5"/>
               </a:ext>
             </a:extLst>
           </a:blip>
@@ -11367,13 +14199,13 @@
           <p:nvPr/>
         </p:nvPicPr>
         <p:blipFill>
-          <a:blip r:embed="rId3">
+          <a:blip r:embed="rId4">
             <a:extLst>
               <a:ext uri="{28A0092B-C50C-407E-A947-70E740481C1C}">
                 <a14:useLocalDpi xmlns:a14="http://schemas.microsoft.com/office/drawing/2010/main" val="0"/>
               </a:ext>
               <a:ext uri="{96DAC541-7B7A-43D3-8B79-37D633B846F1}">
-                <asvg:svgBlip xmlns:asvg="http://schemas.microsoft.com/office/drawing/2016/SVG/main" r:embed="rId4"/>
+                <asvg:svgBlip xmlns:asvg="http://schemas.microsoft.com/office/drawing/2016/SVG/main" r:embed="rId5"/>
               </a:ext>
             </a:extLst>
           </a:blip>
@@ -11682,7 +14514,7 @@
           <p:nvPr/>
         </p:nvPicPr>
         <p:blipFill>
-          <a:blip r:embed="rId5">
+          <a:blip r:embed="rId6">
             <a:extLst>
               <a:ext uri="{28A0092B-C50C-407E-A947-70E740481C1C}">
                 <a14:useLocalDpi xmlns:a14="http://schemas.microsoft.com/office/drawing/2010/main" val="0"/>
@@ -11729,7 +14561,7 @@
           <p:nvPr/>
         </p:nvPicPr>
         <p:blipFill>
-          <a:blip r:embed="rId5">
+          <a:blip r:embed="rId6">
             <a:extLst>
               <a:ext uri="{28A0092B-C50C-407E-A947-70E740481C1C}">
                 <a14:useLocalDpi xmlns:a14="http://schemas.microsoft.com/office/drawing/2010/main" val="0"/>
@@ -11761,10 +14593,104 @@
           </a:extLst>
         </p:spPr>
       </p:pic>
+      <p:pic>
+        <p:nvPicPr>
+          <p:cNvPr id="1026" name="Picture 2" descr="Quellbild anzeigen">
+            <a:extLst>
+              <a:ext uri="{FF2B5EF4-FFF2-40B4-BE49-F238E27FC236}">
+                <a16:creationId xmlns:a16="http://schemas.microsoft.com/office/drawing/2014/main" id="{2E46A2A3-FF6B-4B64-81A9-126E4B7627A7}"/>
+              </a:ext>
+            </a:extLst>
+          </p:cNvPr>
+          <p:cNvPicPr>
+            <a:picLocks noChangeAspect="1" noChangeArrowheads="1"/>
+          </p:cNvPicPr>
+          <p:nvPr/>
+        </p:nvPicPr>
+        <p:blipFill>
+          <a:blip r:embed="rId7">
+            <a:extLst>
+              <a:ext uri="{28A0092B-C50C-407E-A947-70E740481C1C}">
+                <a14:useLocalDpi xmlns:a14="http://schemas.microsoft.com/office/drawing/2010/main" val="0"/>
+              </a:ext>
+            </a:extLst>
+          </a:blip>
+          <a:srcRect/>
+          <a:stretch>
+            <a:fillRect/>
+          </a:stretch>
+        </p:blipFill>
+        <p:spPr bwMode="auto">
+          <a:xfrm>
+            <a:off x="1314137" y="4186638"/>
+            <a:ext cx="458115" cy="305410"/>
+          </a:xfrm>
+          <a:prstGeom prst="rect">
+            <a:avLst/>
+          </a:prstGeom>
+          <a:noFill/>
+          <a:extLst>
+            <a:ext uri="{909E8E84-426E-40DD-AFC4-6F175D3DCCD1}">
+              <a14:hiddenFill xmlns:a14="http://schemas.microsoft.com/office/drawing/2010/main">
+                <a:solidFill>
+                  <a:srgbClr val="FFFFFF"/>
+                </a:solidFill>
+              </a14:hiddenFill>
+            </a:ext>
+          </a:extLst>
+        </p:spPr>
+      </p:pic>
+      <p:pic>
+        <p:nvPicPr>
+          <p:cNvPr id="16" name="Picture 2" descr="Quellbild anzeigen">
+            <a:extLst>
+              <a:ext uri="{FF2B5EF4-FFF2-40B4-BE49-F238E27FC236}">
+                <a16:creationId xmlns:a16="http://schemas.microsoft.com/office/drawing/2014/main" id="{3C510B74-EBE1-46FA-A66A-36309490460A}"/>
+              </a:ext>
+            </a:extLst>
+          </p:cNvPr>
+          <p:cNvPicPr>
+            <a:picLocks noChangeAspect="1" noChangeArrowheads="1"/>
+          </p:cNvPicPr>
+          <p:nvPr/>
+        </p:nvPicPr>
+        <p:blipFill>
+          <a:blip r:embed="rId7">
+            <a:extLst>
+              <a:ext uri="{28A0092B-C50C-407E-A947-70E740481C1C}">
+                <a14:useLocalDpi xmlns:a14="http://schemas.microsoft.com/office/drawing/2010/main" val="0"/>
+              </a:ext>
+            </a:extLst>
+          </a:blip>
+          <a:srcRect/>
+          <a:stretch>
+            <a:fillRect/>
+          </a:stretch>
+        </p:blipFill>
+        <p:spPr bwMode="auto">
+          <a:xfrm>
+            <a:off x="11353800" y="4186638"/>
+            <a:ext cx="458115" cy="305410"/>
+          </a:xfrm>
+          <a:prstGeom prst="rect">
+            <a:avLst/>
+          </a:prstGeom>
+          <a:noFill/>
+          <a:extLst>
+            <a:ext uri="{909E8E84-426E-40DD-AFC4-6F175D3DCCD1}">
+              <a14:hiddenFill xmlns:a14="http://schemas.microsoft.com/office/drawing/2010/main">
+                <a:solidFill>
+                  <a:srgbClr val="FFFFFF"/>
+                </a:solidFill>
+              </a14:hiddenFill>
+            </a:ext>
+          </a:extLst>
+        </p:spPr>
+      </p:pic>
     </p:spTree>
     <p:extLst>
       <p:ext uri="{BB962C8B-B14F-4D97-AF65-F5344CB8AC3E}">
-        <p14:creationId xmlns:p14="http://schemas.microsoft.com/office/powerpoint/2010/main" val="2499128470"/>
+        <p14:creationId xmlns:p14="http://schemas.microsoft.com/office/powerpoint/2010/main" val="3710762780"/>
       </p:ext>
     </p:extLst>
   </p:cSld>
